--- a/Presentazione_digital_marketing.pptx
+++ b/Presentazione_digital_marketing.pptx
@@ -104,6 +104,11 @@
       </a:defRPr>
     </a:lvl9pPr>
   </p:defaultTextStyle>
+  <p:extLst>
+    <p:ext uri="{EFAFB233-063F-42B5-8137-9DF3F51BA10A}">
+      <p15:sldGuideLst xmlns:p15="http://schemas.microsoft.com/office/powerpoint/2012/main"/>
+    </p:ext>
+  </p:extLst>
 </p:presentation>
 </file>
 
@@ -3321,6 +3326,41 @@
           <a:chExt cx="0" cy="0"/>
         </a:xfrm>
       </p:grpSpPr>
+      <p:sp>
+        <p:nvSpPr>
+          <p:cNvPr id="2" name="CasellaDiTesto 1">
+            <a:extLst>
+              <a:ext uri="{FF2B5EF4-FFF2-40B4-BE49-F238E27FC236}">
+                <a16:creationId xmlns:a16="http://schemas.microsoft.com/office/drawing/2014/main" id="{BEFD0582-19A9-7646-B40D-BE06F5FD4750}"/>
+              </a:ext>
+            </a:extLst>
+          </p:cNvPr>
+          <p:cNvSpPr txBox="1"/>
+          <p:nvPr/>
+        </p:nvSpPr>
+        <p:spPr>
+          <a:xfrm>
+            <a:off x="4379934" y="3105834"/>
+            <a:ext cx="3432132" cy="646331"/>
+          </a:xfrm>
+          <a:prstGeom prst="rect">
+            <a:avLst/>
+          </a:prstGeom>
+          <a:noFill/>
+        </p:spPr>
+        <p:txBody>
+          <a:bodyPr wrap="square" rtlCol="0">
+            <a:spAutoFit/>
+          </a:bodyPr>
+          <a:lstStyle/>
+          <a:p>
+            <a:r>
+              <a:rPr lang="it-IT" sz="3600" dirty="0"/>
+              <a:t>Digital Marketing</a:t>
+            </a:r>
+          </a:p>
+        </p:txBody>
+      </p:sp>
     </p:spTree>
     <p:extLst>
       <p:ext uri="{BB962C8B-B14F-4D97-AF65-F5344CB8AC3E}">

--- a/Presentazione_digital_marketing.pptx
+++ b/Presentazione_digital_marketing.pptx
@@ -16,7 +16,7 @@
     <p:sldId id="275" r:id="rId7"/>
     <p:sldId id="278" r:id="rId8"/>
     <p:sldId id="279" r:id="rId9"/>
-    <p:sldId id="280" r:id="rId10"/>
+    <p:sldId id="283" r:id="rId10"/>
     <p:sldId id="281" r:id="rId11"/>
     <p:sldId id="282" r:id="rId12"/>
     <p:sldId id="273" r:id="rId13"/>
@@ -3182,7 +3182,7 @@
           <a:p>
             <a:fld id="{3D6FC354-5D41-5F46-84EE-566149A64AB3}" type="datetimeFigureOut">
               <a:rPr lang="it-IT" smtClean="0"/>
-              <a:t>14/08/21</a:t>
+              <a:t>16/08/21</a:t>
             </a:fld>
             <a:endParaRPr lang="it-IT"/>
           </a:p>
@@ -3757,7 +3757,7 @@
           <a:p>
             <a:fld id="{3F7E5583-3B1A-EB47-95D3-30714A2ABF4C}" type="datetimeFigureOut">
               <a:rPr lang="it-IT" smtClean="0"/>
-              <a:t>14/08/21</a:t>
+              <a:t>16/08/21</a:t>
             </a:fld>
             <a:endParaRPr lang="it-IT"/>
           </a:p>
@@ -3955,7 +3955,7 @@
           <a:p>
             <a:fld id="{3F7E5583-3B1A-EB47-95D3-30714A2ABF4C}" type="datetimeFigureOut">
               <a:rPr lang="it-IT" smtClean="0"/>
-              <a:t>14/08/21</a:t>
+              <a:t>16/08/21</a:t>
             </a:fld>
             <a:endParaRPr lang="it-IT"/>
           </a:p>
@@ -4163,7 +4163,7 @@
           <a:p>
             <a:fld id="{3F7E5583-3B1A-EB47-95D3-30714A2ABF4C}" type="datetimeFigureOut">
               <a:rPr lang="it-IT" smtClean="0"/>
-              <a:t>14/08/21</a:t>
+              <a:t>16/08/21</a:t>
             </a:fld>
             <a:endParaRPr lang="it-IT"/>
           </a:p>
@@ -4361,7 +4361,7 @@
           <a:p>
             <a:fld id="{3F7E5583-3B1A-EB47-95D3-30714A2ABF4C}" type="datetimeFigureOut">
               <a:rPr lang="it-IT" smtClean="0"/>
-              <a:t>14/08/21</a:t>
+              <a:t>16/08/21</a:t>
             </a:fld>
             <a:endParaRPr lang="it-IT"/>
           </a:p>
@@ -4636,7 +4636,7 @@
           <a:p>
             <a:fld id="{3F7E5583-3B1A-EB47-95D3-30714A2ABF4C}" type="datetimeFigureOut">
               <a:rPr lang="it-IT" smtClean="0"/>
-              <a:t>14/08/21</a:t>
+              <a:t>16/08/21</a:t>
             </a:fld>
             <a:endParaRPr lang="it-IT"/>
           </a:p>
@@ -4901,7 +4901,7 @@
           <a:p>
             <a:fld id="{3F7E5583-3B1A-EB47-95D3-30714A2ABF4C}" type="datetimeFigureOut">
               <a:rPr lang="it-IT" smtClean="0"/>
-              <a:t>14/08/21</a:t>
+              <a:t>16/08/21</a:t>
             </a:fld>
             <a:endParaRPr lang="it-IT"/>
           </a:p>
@@ -5313,7 +5313,7 @@
           <a:p>
             <a:fld id="{3F7E5583-3B1A-EB47-95D3-30714A2ABF4C}" type="datetimeFigureOut">
               <a:rPr lang="it-IT" smtClean="0"/>
-              <a:t>14/08/21</a:t>
+              <a:t>16/08/21</a:t>
             </a:fld>
             <a:endParaRPr lang="it-IT"/>
           </a:p>
@@ -5454,7 +5454,7 @@
           <a:p>
             <a:fld id="{3F7E5583-3B1A-EB47-95D3-30714A2ABF4C}" type="datetimeFigureOut">
               <a:rPr lang="it-IT" smtClean="0"/>
-              <a:t>14/08/21</a:t>
+              <a:t>16/08/21</a:t>
             </a:fld>
             <a:endParaRPr lang="it-IT"/>
           </a:p>
@@ -5567,7 +5567,7 @@
           <a:p>
             <a:fld id="{3F7E5583-3B1A-EB47-95D3-30714A2ABF4C}" type="datetimeFigureOut">
               <a:rPr lang="it-IT" smtClean="0"/>
-              <a:t>14/08/21</a:t>
+              <a:t>16/08/21</a:t>
             </a:fld>
             <a:endParaRPr lang="it-IT"/>
           </a:p>
@@ -5878,7 +5878,7 @@
           <a:p>
             <a:fld id="{3F7E5583-3B1A-EB47-95D3-30714A2ABF4C}" type="datetimeFigureOut">
               <a:rPr lang="it-IT" smtClean="0"/>
-              <a:t>14/08/21</a:t>
+              <a:t>16/08/21</a:t>
             </a:fld>
             <a:endParaRPr lang="it-IT"/>
           </a:p>
@@ -6166,7 +6166,7 @@
           <a:p>
             <a:fld id="{3F7E5583-3B1A-EB47-95D3-30714A2ABF4C}" type="datetimeFigureOut">
               <a:rPr lang="it-IT" smtClean="0"/>
-              <a:t>14/08/21</a:t>
+              <a:t>16/08/21</a:t>
             </a:fld>
             <a:endParaRPr lang="it-IT"/>
           </a:p>
@@ -6407,7 +6407,7 @@
           <a:p>
             <a:fld id="{3F7E5583-3B1A-EB47-95D3-30714A2ABF4C}" type="datetimeFigureOut">
               <a:rPr lang="it-IT" smtClean="0"/>
-              <a:t>14/08/21</a:t>
+              <a:t>16/08/21</a:t>
             </a:fld>
             <a:endParaRPr lang="it-IT"/>
           </a:p>
@@ -6926,7 +6926,7 @@
         </p:blipFill>
         <p:spPr>
           <a:xfrm>
-            <a:off x="5489583" y="5329087"/>
+            <a:off x="5489583" y="5402657"/>
             <a:ext cx="1212832" cy="1200329"/>
           </a:xfrm>
           <a:prstGeom prst="rect">
@@ -8327,6 +8327,101 @@
           </a:p>
         </p:txBody>
       </p:sp>
+      <p:sp>
+        <p:nvSpPr>
+          <p:cNvPr id="29" name="Rettangolo 28">
+            <a:extLst>
+              <a:ext uri="{FF2B5EF4-FFF2-40B4-BE49-F238E27FC236}">
+                <a16:creationId xmlns:a16="http://schemas.microsoft.com/office/drawing/2014/main" id="{D6DF7F3C-94FD-9C47-9298-78264483E1C3}"/>
+              </a:ext>
+            </a:extLst>
+          </p:cNvPr>
+          <p:cNvSpPr/>
+          <p:nvPr/>
+        </p:nvSpPr>
+        <p:spPr>
+          <a:xfrm>
+            <a:off x="1703240" y="4010427"/>
+            <a:ext cx="197708" cy="288504"/>
+          </a:xfrm>
+          <a:prstGeom prst="rect">
+            <a:avLst/>
+          </a:prstGeom>
+          <a:noFill/>
+          <a:ln w="19050">
+            <a:solidFill>
+              <a:schemeClr val="accent4"/>
+            </a:solidFill>
+            <a:prstDash val="sysDash"/>
+          </a:ln>
+        </p:spPr>
+        <p:style>
+          <a:lnRef idx="2">
+            <a:schemeClr val="accent1">
+              <a:shade val="50000"/>
+            </a:schemeClr>
+          </a:lnRef>
+          <a:fillRef idx="1">
+            <a:schemeClr val="accent1"/>
+          </a:fillRef>
+          <a:effectRef idx="0">
+            <a:schemeClr val="accent1"/>
+          </a:effectRef>
+          <a:fontRef idx="minor">
+            <a:schemeClr val="lt1"/>
+          </a:fontRef>
+        </p:style>
+        <p:txBody>
+          <a:bodyPr rtlCol="0" anchor="ctr"/>
+          <a:lstStyle/>
+          <a:p>
+            <a:pPr algn="ctr"/>
+            <a:endParaRPr lang="it-IT"/>
+          </a:p>
+        </p:txBody>
+      </p:sp>
+      <p:cxnSp>
+        <p:nvCxnSpPr>
+          <p:cNvPr id="5" name="Connettore 2 4">
+            <a:extLst>
+              <a:ext uri="{FF2B5EF4-FFF2-40B4-BE49-F238E27FC236}">
+                <a16:creationId xmlns:a16="http://schemas.microsoft.com/office/drawing/2014/main" id="{9EE80691-9C21-0443-A70B-D771E312D792}"/>
+              </a:ext>
+            </a:extLst>
+          </p:cNvPr>
+          <p:cNvCxnSpPr/>
+          <p:nvPr/>
+        </p:nvCxnSpPr>
+        <p:spPr>
+          <a:xfrm>
+            <a:off x="1703240" y="4360592"/>
+            <a:ext cx="0" cy="848705"/>
+          </a:xfrm>
+          <a:prstGeom prst="straightConnector1">
+            <a:avLst/>
+          </a:prstGeom>
+          <a:ln w="12700">
+            <a:solidFill>
+              <a:schemeClr val="accent4"/>
+            </a:solidFill>
+            <a:tailEnd type="triangle"/>
+          </a:ln>
+        </p:spPr>
+        <p:style>
+          <a:lnRef idx="1">
+            <a:schemeClr val="accent1"/>
+          </a:lnRef>
+          <a:fillRef idx="0">
+            <a:schemeClr val="accent1"/>
+          </a:fillRef>
+          <a:effectRef idx="0">
+            <a:schemeClr val="accent1"/>
+          </a:effectRef>
+          <a:fontRef idx="minor">
+            <a:schemeClr val="tx1"/>
+          </a:fontRef>
+        </p:style>
+      </p:cxnSp>
     </p:spTree>
     <p:extLst>
       <p:ext uri="{BB962C8B-B14F-4D97-AF65-F5344CB8AC3E}">
@@ -10160,7 +10255,7 @@
         <p:grpSpPr>
           <a:xfrm>
             <a:off x="1802450" y="253056"/>
-            <a:ext cx="4869712" cy="1012087"/>
+            <a:ext cx="7225936" cy="1012087"/>
             <a:chOff x="4411970" y="2468674"/>
             <a:chExt cx="747316" cy="167425"/>
           </a:xfrm>
@@ -10332,7 +10427,7 @@
         </p:nvSpPr>
         <p:spPr>
           <a:xfrm>
-            <a:off x="1937590" y="497489"/>
+            <a:off x="2166081" y="497489"/>
             <a:ext cx="1310525" cy="523220"/>
           </a:xfrm>
           <a:prstGeom prst="rect">
@@ -10369,8 +10464,8 @@
         </p:nvSpPr>
         <p:spPr>
           <a:xfrm>
-            <a:off x="3498504" y="497489"/>
-            <a:ext cx="3045674" cy="307777"/>
+            <a:off x="4107566" y="389767"/>
+            <a:ext cx="4706520" cy="738664"/>
           </a:xfrm>
           <a:prstGeom prst="rect">
             <a:avLst/>
@@ -10385,15 +10480,17 @@
           <a:p>
             <a:pPr algn="just"/>
             <a:r>
-              <a:rPr lang="it-IT" sz="1400" i="1" dirty="0">
+              <a:rPr lang="it-IT" sz="1400" dirty="0">
+                <a:solidFill>
+                  <a:schemeClr val="tx1">
+                    <a:lumMod val="65000"/>
+                    <a:lumOff val="35000"/>
+                  </a:schemeClr>
+                </a:solidFill>
                 <a:latin typeface="Century Gothic" panose="020B0502020202020204" pitchFamily="34" charset="0"/>
               </a:rPr>
-              <a:t>SDFASDFSDAFSDFDSFDSFSDFASD</a:t>
+              <a:t>Consiste nel reagire in modo tempestivo agli stimoli dell’ambiente esterno in modo tale da ottenere visibilità e conquistare nuovi clienti</a:t>
             </a:r>
-            <a:endParaRPr lang="it-IT" sz="1400" i="1" dirty="0">
-              <a:effectLst/>
-              <a:latin typeface="Century Gothic" panose="020B0502020202020204" pitchFamily="34" charset="0"/>
-            </a:endParaRPr>
           </a:p>
         </p:txBody>
       </p:sp>
@@ -10412,7 +10509,7 @@
         <p:grpSpPr>
           <a:xfrm>
             <a:off x="1802450" y="1872333"/>
-            <a:ext cx="4869712" cy="1012087"/>
+            <a:ext cx="7225936" cy="1012087"/>
             <a:chOff x="4411970" y="2468674"/>
             <a:chExt cx="747316" cy="167425"/>
           </a:xfrm>
@@ -10585,7 +10682,7 @@
         <p:grpSpPr>
           <a:xfrm>
             <a:off x="1802450" y="3491610"/>
-            <a:ext cx="4869712" cy="1012087"/>
+            <a:ext cx="7225936" cy="1012087"/>
             <a:chOff x="4411970" y="2468674"/>
             <a:chExt cx="747316" cy="167425"/>
           </a:xfrm>
@@ -10758,7 +10855,7 @@
         <p:grpSpPr>
           <a:xfrm>
             <a:off x="1802450" y="5191510"/>
-            <a:ext cx="4869712" cy="1012087"/>
+            <a:ext cx="7225936" cy="1012087"/>
             <a:chOff x="4411970" y="2468674"/>
             <a:chExt cx="747316" cy="167425"/>
           </a:xfrm>
@@ -10930,7 +11027,7 @@
         </p:nvSpPr>
         <p:spPr>
           <a:xfrm>
-            <a:off x="1941252" y="2009044"/>
+            <a:off x="2166081" y="2009044"/>
             <a:ext cx="1370436" cy="738664"/>
           </a:xfrm>
           <a:prstGeom prst="rect">
@@ -10967,7 +11064,7 @@
         </p:nvSpPr>
         <p:spPr>
           <a:xfrm>
-            <a:off x="1937590" y="3737184"/>
+            <a:off x="2209190" y="3713020"/>
             <a:ext cx="1061612" cy="523220"/>
           </a:xfrm>
           <a:prstGeom prst="rect">
@@ -11004,7 +11101,7 @@
         </p:nvSpPr>
         <p:spPr>
           <a:xfrm>
-            <a:off x="1937590" y="5543664"/>
+            <a:off x="2166081" y="5590972"/>
             <a:ext cx="604412" cy="307777"/>
           </a:xfrm>
           <a:prstGeom prst="rect">
@@ -11027,132 +11124,6 @@
           </a:p>
         </p:txBody>
       </p:sp>
-      <p:sp>
-        <p:nvSpPr>
-          <p:cNvPr id="31" name="CasellaDiTesto 30">
-            <a:extLst>
-              <a:ext uri="{FF2B5EF4-FFF2-40B4-BE49-F238E27FC236}">
-                <a16:creationId xmlns:a16="http://schemas.microsoft.com/office/drawing/2014/main" id="{8182205B-5286-9448-9CC7-4D902909A620}"/>
-              </a:ext>
-            </a:extLst>
-          </p:cNvPr>
-          <p:cNvSpPr txBox="1"/>
-          <p:nvPr/>
-        </p:nvSpPr>
-        <p:spPr>
-          <a:xfrm>
-            <a:off x="3498504" y="2116766"/>
-            <a:ext cx="3045674" cy="307777"/>
-          </a:xfrm>
-          <a:prstGeom prst="rect">
-            <a:avLst/>
-          </a:prstGeom>
-          <a:noFill/>
-        </p:spPr>
-        <p:txBody>
-          <a:bodyPr wrap="square" rtlCol="0">
-            <a:spAutoFit/>
-          </a:bodyPr>
-          <a:lstStyle/>
-          <a:p>
-            <a:pPr algn="just"/>
-            <a:r>
-              <a:rPr lang="it-IT" sz="1400" i="1" dirty="0">
-                <a:latin typeface="Century Gothic" panose="020B0502020202020204" pitchFamily="34" charset="0"/>
-              </a:rPr>
-              <a:t>SDFASDFSDAFSDFDSFDSFSDFASD</a:t>
-            </a:r>
-            <a:endParaRPr lang="it-IT" sz="1400" i="1" dirty="0">
-              <a:effectLst/>
-              <a:latin typeface="Century Gothic" panose="020B0502020202020204" pitchFamily="34" charset="0"/>
-            </a:endParaRPr>
-          </a:p>
-        </p:txBody>
-      </p:sp>
-      <p:sp>
-        <p:nvSpPr>
-          <p:cNvPr id="32" name="CasellaDiTesto 31">
-            <a:extLst>
-              <a:ext uri="{FF2B5EF4-FFF2-40B4-BE49-F238E27FC236}">
-                <a16:creationId xmlns:a16="http://schemas.microsoft.com/office/drawing/2014/main" id="{11DE7C59-4371-B849-AC41-6683B2EAAC73}"/>
-              </a:ext>
-            </a:extLst>
-          </p:cNvPr>
-          <p:cNvSpPr txBox="1"/>
-          <p:nvPr/>
-        </p:nvSpPr>
-        <p:spPr>
-          <a:xfrm>
-            <a:off x="3498504" y="3737184"/>
-            <a:ext cx="3045674" cy="307777"/>
-          </a:xfrm>
-          <a:prstGeom prst="rect">
-            <a:avLst/>
-          </a:prstGeom>
-          <a:noFill/>
-        </p:spPr>
-        <p:txBody>
-          <a:bodyPr wrap="square" rtlCol="0">
-            <a:spAutoFit/>
-          </a:bodyPr>
-          <a:lstStyle/>
-          <a:p>
-            <a:pPr algn="just"/>
-            <a:r>
-              <a:rPr lang="it-IT" sz="1400" i="1" dirty="0">
-                <a:latin typeface="Century Gothic" panose="020B0502020202020204" pitchFamily="34" charset="0"/>
-              </a:rPr>
-              <a:t>SDFASDFSDAFSDFDSFDSFSDFASD</a:t>
-            </a:r>
-            <a:endParaRPr lang="it-IT" sz="1400" i="1" dirty="0">
-              <a:effectLst/>
-              <a:latin typeface="Century Gothic" panose="020B0502020202020204" pitchFamily="34" charset="0"/>
-            </a:endParaRPr>
-          </a:p>
-        </p:txBody>
-      </p:sp>
-      <p:sp>
-        <p:nvSpPr>
-          <p:cNvPr id="33" name="CasellaDiTesto 32">
-            <a:extLst>
-              <a:ext uri="{FF2B5EF4-FFF2-40B4-BE49-F238E27FC236}">
-                <a16:creationId xmlns:a16="http://schemas.microsoft.com/office/drawing/2014/main" id="{2BA599D9-E6D4-7E4A-9E1F-C5BCB6157F4E}"/>
-              </a:ext>
-            </a:extLst>
-          </p:cNvPr>
-          <p:cNvSpPr txBox="1"/>
-          <p:nvPr/>
-        </p:nvSpPr>
-        <p:spPr>
-          <a:xfrm>
-            <a:off x="3418991" y="5437084"/>
-            <a:ext cx="3045674" cy="307777"/>
-          </a:xfrm>
-          <a:prstGeom prst="rect">
-            <a:avLst/>
-          </a:prstGeom>
-          <a:noFill/>
-        </p:spPr>
-        <p:txBody>
-          <a:bodyPr wrap="square" rtlCol="0">
-            <a:spAutoFit/>
-          </a:bodyPr>
-          <a:lstStyle/>
-          <a:p>
-            <a:pPr algn="just"/>
-            <a:r>
-              <a:rPr lang="it-IT" sz="1400" i="1" dirty="0">
-                <a:latin typeface="Century Gothic" panose="020B0502020202020204" pitchFamily="34" charset="0"/>
-              </a:rPr>
-              <a:t>SDFASDFSDAFSDFDSFDSFSDFASD</a:t>
-            </a:r>
-            <a:endParaRPr lang="it-IT" sz="1400" i="1" dirty="0">
-              <a:effectLst/>
-              <a:latin typeface="Century Gothic" panose="020B0502020202020204" pitchFamily="34" charset="0"/>
-            </a:endParaRPr>
-          </a:p>
-        </p:txBody>
-      </p:sp>
       <p:grpSp>
         <p:nvGrpSpPr>
           <p:cNvPr id="34" name="Google Shape;8122;p74">
@@ -11167,7 +11138,7 @@
         </p:nvGrpSpPr>
         <p:grpSpPr>
           <a:xfrm>
-            <a:off x="7315283" y="2029962"/>
+            <a:off x="9753674" y="2029962"/>
             <a:ext cx="703280" cy="715872"/>
             <a:chOff x="-4475825" y="3612425"/>
             <a:chExt cx="293825" cy="291450"/>
@@ -11639,7 +11610,7 @@
         </p:nvGrpSpPr>
         <p:grpSpPr>
           <a:xfrm>
-            <a:off x="7331248" y="464341"/>
+            <a:off x="9769639" y="464341"/>
             <a:ext cx="687315" cy="715871"/>
             <a:chOff x="-30735200" y="3910925"/>
             <a:chExt cx="292225" cy="291450"/>
@@ -11888,7 +11859,7 @@
         </p:nvGrpSpPr>
         <p:grpSpPr>
           <a:xfrm>
-            <a:off x="7315283" y="3544533"/>
+            <a:off x="9753674" y="3544533"/>
             <a:ext cx="643426" cy="715871"/>
             <a:chOff x="-3768700" y="3253275"/>
             <a:chExt cx="301850" cy="291150"/>
@@ -12249,6 +12220,7 @@
               </a:schemeClr>
               <a:prstClr val="white"/>
             </a:duotone>
+            <a:alphaModFix amt="50000"/>
           </a:blip>
           <a:stretch>
             <a:fillRect/>
@@ -12256,7 +12228,7 @@
         </p:blipFill>
         <p:spPr>
           <a:xfrm>
-            <a:off x="7315283" y="5263069"/>
+            <a:off x="9753674" y="5263069"/>
             <a:ext cx="703280" cy="715872"/>
           </a:xfrm>
           <a:prstGeom prst="rect">
@@ -12267,6 +12239,138 @@
           </a:solidFill>
         </p:spPr>
       </p:pic>
+      <p:sp>
+        <p:nvSpPr>
+          <p:cNvPr id="45" name="CasellaDiTesto 44">
+            <a:extLst>
+              <a:ext uri="{FF2B5EF4-FFF2-40B4-BE49-F238E27FC236}">
+                <a16:creationId xmlns:a16="http://schemas.microsoft.com/office/drawing/2014/main" id="{2A19C078-386F-EA45-B74D-6D5EFD924D14}"/>
+              </a:ext>
+            </a:extLst>
+          </p:cNvPr>
+          <p:cNvSpPr txBox="1"/>
+          <p:nvPr/>
+        </p:nvSpPr>
+        <p:spPr>
+          <a:xfrm>
+            <a:off x="4107566" y="2126288"/>
+            <a:ext cx="4706520" cy="523220"/>
+          </a:xfrm>
+          <a:prstGeom prst="rect">
+            <a:avLst/>
+          </a:prstGeom>
+          <a:noFill/>
+        </p:spPr>
+        <p:txBody>
+          <a:bodyPr wrap="square" rtlCol="0">
+            <a:spAutoFit/>
+          </a:bodyPr>
+          <a:lstStyle/>
+          <a:p>
+            <a:pPr algn="just"/>
+            <a:r>
+              <a:rPr lang="it-IT" sz="1400" dirty="0">
+                <a:solidFill>
+                  <a:schemeClr val="tx1">
+                    <a:lumMod val="65000"/>
+                    <a:lumOff val="35000"/>
+                  </a:schemeClr>
+                </a:solidFill>
+                <a:latin typeface="Century Gothic" panose="020B0502020202020204" pitchFamily="34" charset="0"/>
+              </a:rPr>
+              <a:t>Consiste nell’utilizzare molteplici canali di comunicazione per raggiungere i clienti</a:t>
+            </a:r>
+          </a:p>
+        </p:txBody>
+      </p:sp>
+      <p:sp>
+        <p:nvSpPr>
+          <p:cNvPr id="46" name="CasellaDiTesto 45">
+            <a:extLst>
+              <a:ext uri="{FF2B5EF4-FFF2-40B4-BE49-F238E27FC236}">
+                <a16:creationId xmlns:a16="http://schemas.microsoft.com/office/drawing/2014/main" id="{7C19373A-6452-5C49-B72E-3F512137965B}"/>
+              </a:ext>
+            </a:extLst>
+          </p:cNvPr>
+          <p:cNvSpPr txBox="1"/>
+          <p:nvPr/>
+        </p:nvSpPr>
+        <p:spPr>
+          <a:xfrm>
+            <a:off x="4107566" y="3628321"/>
+            <a:ext cx="4706520" cy="738664"/>
+          </a:xfrm>
+          <a:prstGeom prst="rect">
+            <a:avLst/>
+          </a:prstGeom>
+          <a:noFill/>
+        </p:spPr>
+        <p:txBody>
+          <a:bodyPr wrap="square" rtlCol="0">
+            <a:spAutoFit/>
+          </a:bodyPr>
+          <a:lstStyle/>
+          <a:p>
+            <a:pPr algn="just"/>
+            <a:r>
+              <a:rPr lang="it-IT" sz="1400" dirty="0">
+                <a:solidFill>
+                  <a:schemeClr val="tx1">
+                    <a:lumMod val="65000"/>
+                    <a:lumOff val="35000"/>
+                  </a:schemeClr>
+                </a:solidFill>
+                <a:latin typeface="Century Gothic" panose="020B0502020202020204" pitchFamily="34" charset="0"/>
+              </a:rPr>
+              <a:t>Consiste nel creare una rappresentazione del profilo del cliente ideale in modo tale comprendere meglio i suoi bisogni</a:t>
+            </a:r>
+          </a:p>
+        </p:txBody>
+      </p:sp>
+      <p:sp>
+        <p:nvSpPr>
+          <p:cNvPr id="47" name="CasellaDiTesto 46">
+            <a:extLst>
+              <a:ext uri="{FF2B5EF4-FFF2-40B4-BE49-F238E27FC236}">
+                <a16:creationId xmlns:a16="http://schemas.microsoft.com/office/drawing/2014/main" id="{A6FD47C9-A8DD-7F44-BDA6-9A45469434CB}"/>
+              </a:ext>
+            </a:extLst>
+          </p:cNvPr>
+          <p:cNvSpPr txBox="1"/>
+          <p:nvPr/>
+        </p:nvSpPr>
+        <p:spPr>
+          <a:xfrm>
+            <a:off x="4107566" y="5472443"/>
+            <a:ext cx="4706520" cy="523220"/>
+          </a:xfrm>
+          <a:prstGeom prst="rect">
+            <a:avLst/>
+          </a:prstGeom>
+          <a:noFill/>
+        </p:spPr>
+        <p:txBody>
+          <a:bodyPr wrap="square" rtlCol="0">
+            <a:spAutoFit/>
+          </a:bodyPr>
+          <a:lstStyle/>
+          <a:p>
+            <a:pPr algn="just"/>
+            <a:r>
+              <a:rPr lang="it-IT" sz="1400" dirty="0">
+                <a:solidFill>
+                  <a:schemeClr val="tx1">
+                    <a:lumMod val="65000"/>
+                    <a:lumOff val="35000"/>
+                  </a:schemeClr>
+                </a:solidFill>
+                <a:latin typeface="Century Gothic" panose="020B0502020202020204" pitchFamily="34" charset="0"/>
+              </a:rPr>
+              <a:t>Consiste nella gestione delle relazioni dei clienti al fine di rendere durature le relazioni con essi </a:t>
+            </a:r>
+          </a:p>
+        </p:txBody>
+      </p:sp>
     </p:spTree>
     <p:extLst>
       <p:ext uri="{BB962C8B-B14F-4D97-AF65-F5344CB8AC3E}">
@@ -13347,8 +13451,8 @@
         </p:nvGrpSpPr>
         <p:grpSpPr>
           <a:xfrm>
-            <a:off x="1012141" y="3486296"/>
-            <a:ext cx="1440290" cy="785313"/>
+            <a:off x="935030" y="3486296"/>
+            <a:ext cx="1517401" cy="785313"/>
             <a:chOff x="-1199300" y="3279250"/>
             <a:chExt cx="293025" cy="206400"/>
           </a:xfrm>
@@ -16685,810 +16789,6 @@
           </p:txBody>
         </p:sp>
       </p:grpSp>
-      <p:grpSp>
-        <p:nvGrpSpPr>
-          <p:cNvPr id="12" name="Google Shape;6018;p70">
-            <a:extLst>
-              <a:ext uri="{FF2B5EF4-FFF2-40B4-BE49-F238E27FC236}">
-                <a16:creationId xmlns:a16="http://schemas.microsoft.com/office/drawing/2014/main" id="{935DA81C-9BDE-AD48-B7CC-1F64B1E9351B}"/>
-              </a:ext>
-            </a:extLst>
-          </p:cNvPr>
-          <p:cNvGrpSpPr/>
-          <p:nvPr/>
-        </p:nvGrpSpPr>
-        <p:grpSpPr>
-          <a:xfrm>
-            <a:off x="830322" y="901817"/>
-            <a:ext cx="1477652" cy="1306792"/>
-            <a:chOff x="-63250675" y="3744075"/>
-            <a:chExt cx="320350" cy="318100"/>
-          </a:xfrm>
-          <a:solidFill>
-            <a:schemeClr val="accent2">
-              <a:lumMod val="60000"/>
-              <a:lumOff val="40000"/>
-            </a:schemeClr>
-          </a:solidFill>
-        </p:grpSpPr>
-        <p:sp>
-          <p:nvSpPr>
-            <p:cNvPr id="13" name="Google Shape;6019;p70">
-              <a:extLst>
-                <a:ext uri="{FF2B5EF4-FFF2-40B4-BE49-F238E27FC236}">
-                  <a16:creationId xmlns:a16="http://schemas.microsoft.com/office/drawing/2014/main" id="{D2E1ADA2-36F6-E447-A435-CC9FD04BBE81}"/>
-                </a:ext>
-              </a:extLst>
-            </p:cNvPr>
-            <p:cNvSpPr/>
-            <p:nvPr/>
-          </p:nvSpPr>
-          <p:spPr>
-            <a:xfrm>
-              <a:off x="-63126250" y="3744075"/>
-              <a:ext cx="195925" cy="192875"/>
-            </a:xfrm>
-            <a:custGeom>
-              <a:avLst/>
-              <a:gdLst/>
-              <a:ahLst/>
-              <a:cxnLst/>
-              <a:rect l="l" t="t" r="r" b="b"/>
-              <a:pathLst>
-                <a:path w="7837" h="7715" extrusionOk="0">
-                  <a:moveTo>
-                    <a:pt x="6020" y="0"/>
-                  </a:moveTo>
-                  <a:cubicBezTo>
-                    <a:pt x="5921" y="0"/>
-                    <a:pt x="5820" y="37"/>
-                    <a:pt x="5735" y="122"/>
-                  </a:cubicBezTo>
-                  <a:lnTo>
-                    <a:pt x="4097" y="1760"/>
-                  </a:lnTo>
-                  <a:cubicBezTo>
-                    <a:pt x="4034" y="1854"/>
-                    <a:pt x="3971" y="1917"/>
-                    <a:pt x="3971" y="2012"/>
-                  </a:cubicBezTo>
-                  <a:lnTo>
-                    <a:pt x="3782" y="3304"/>
-                  </a:lnTo>
-                  <a:lnTo>
-                    <a:pt x="1734" y="5351"/>
-                  </a:lnTo>
-                  <a:cubicBezTo>
-                    <a:pt x="1576" y="5288"/>
-                    <a:pt x="1387" y="5225"/>
-                    <a:pt x="1230" y="5225"/>
-                  </a:cubicBezTo>
-                  <a:cubicBezTo>
-                    <a:pt x="537" y="5225"/>
-                    <a:pt x="1" y="5793"/>
-                    <a:pt x="1" y="6486"/>
-                  </a:cubicBezTo>
-                  <a:cubicBezTo>
-                    <a:pt x="1" y="7210"/>
-                    <a:pt x="537" y="7714"/>
-                    <a:pt x="1230" y="7714"/>
-                  </a:cubicBezTo>
-                  <a:cubicBezTo>
-                    <a:pt x="1891" y="7714"/>
-                    <a:pt x="2458" y="7179"/>
-                    <a:pt x="2458" y="6486"/>
-                  </a:cubicBezTo>
-                  <a:cubicBezTo>
-                    <a:pt x="2458" y="6297"/>
-                    <a:pt x="2395" y="6139"/>
-                    <a:pt x="2332" y="5982"/>
-                  </a:cubicBezTo>
-                  <a:lnTo>
-                    <a:pt x="4380" y="3934"/>
-                  </a:lnTo>
-                  <a:lnTo>
-                    <a:pt x="5672" y="3745"/>
-                  </a:lnTo>
-                  <a:cubicBezTo>
-                    <a:pt x="5735" y="3745"/>
-                    <a:pt x="5829" y="3713"/>
-                    <a:pt x="5924" y="3619"/>
-                  </a:cubicBezTo>
-                  <a:lnTo>
-                    <a:pt x="7562" y="1980"/>
-                  </a:lnTo>
-                  <a:cubicBezTo>
-                    <a:pt x="7837" y="1706"/>
-                    <a:pt x="7609" y="1254"/>
-                    <a:pt x="7251" y="1254"/>
-                  </a:cubicBezTo>
-                  <a:cubicBezTo>
-                    <a:pt x="7240" y="1254"/>
-                    <a:pt x="7228" y="1255"/>
-                    <a:pt x="7216" y="1256"/>
-                  </a:cubicBezTo>
-                  <a:lnTo>
-                    <a:pt x="6302" y="1382"/>
-                  </a:lnTo>
-                  <a:lnTo>
-                    <a:pt x="6428" y="468"/>
-                  </a:lnTo>
-                  <a:cubicBezTo>
-                    <a:pt x="6472" y="203"/>
-                    <a:pt x="6253" y="0"/>
-                    <a:pt x="6020" y="0"/>
-                  </a:cubicBezTo>
-                  <a:close/>
-                </a:path>
-              </a:pathLst>
-            </a:custGeom>
-            <a:grpFill/>
-            <a:ln>
-              <a:noFill/>
-            </a:ln>
-          </p:spPr>
-          <p:txBody>
-            <a:bodyPr spcFirstLastPara="1" wrap="square" lIns="91425" tIns="91425" rIns="91425" bIns="91425" anchor="ctr" anchorCtr="0">
-              <a:noAutofit/>
-            </a:bodyPr>
-            <a:lstStyle/>
-            <a:p>
-              <a:pPr marL="0" lvl="0" indent="0" algn="l" rtl="0">
-                <a:spcBef>
-                  <a:spcPts val="0"/>
-                </a:spcBef>
-                <a:spcAft>
-                  <a:spcPts val="0"/>
-                </a:spcAft>
-                <a:buNone/>
-              </a:pPr>
-              <a:endParaRPr/>
-            </a:p>
-          </p:txBody>
-        </p:sp>
-        <p:sp>
-          <p:nvSpPr>
-            <p:cNvPr id="14" name="Google Shape;6020;p70">
-              <a:extLst>
-                <a:ext uri="{FF2B5EF4-FFF2-40B4-BE49-F238E27FC236}">
-                  <a16:creationId xmlns:a16="http://schemas.microsoft.com/office/drawing/2014/main" id="{E8205D5E-48B2-F64D-8EFA-32B59BFFE22C}"/>
-                </a:ext>
-              </a:extLst>
-            </p:cNvPr>
-            <p:cNvSpPr/>
-            <p:nvPr/>
-          </p:nvSpPr>
-          <p:spPr>
-            <a:xfrm>
-              <a:off x="-63190025" y="3814050"/>
-              <a:ext cx="186675" cy="185900"/>
-            </a:xfrm>
-            <a:custGeom>
-              <a:avLst/>
-              <a:gdLst/>
-              <a:ahLst/>
-              <a:cxnLst/>
-              <a:rect l="l" t="t" r="r" b="b"/>
-              <a:pathLst>
-                <a:path w="7467" h="7436" extrusionOk="0">
-                  <a:moveTo>
-                    <a:pt x="3718" y="1"/>
-                  </a:moveTo>
-                  <a:cubicBezTo>
-                    <a:pt x="1670" y="1"/>
-                    <a:pt x="0" y="1670"/>
-                    <a:pt x="0" y="3750"/>
-                  </a:cubicBezTo>
-                  <a:cubicBezTo>
-                    <a:pt x="0" y="5797"/>
-                    <a:pt x="1638" y="7436"/>
-                    <a:pt x="3718" y="7436"/>
-                  </a:cubicBezTo>
-                  <a:cubicBezTo>
-                    <a:pt x="5765" y="7436"/>
-                    <a:pt x="7467" y="5797"/>
-                    <a:pt x="7467" y="3750"/>
-                  </a:cubicBezTo>
-                  <a:cubicBezTo>
-                    <a:pt x="7467" y="3151"/>
-                    <a:pt x="7341" y="2647"/>
-                    <a:pt x="7120" y="2143"/>
-                  </a:cubicBezTo>
-                  <a:lnTo>
-                    <a:pt x="5828" y="3435"/>
-                  </a:lnTo>
-                  <a:cubicBezTo>
-                    <a:pt x="5828" y="3498"/>
-                    <a:pt x="5860" y="3624"/>
-                    <a:pt x="5860" y="3718"/>
-                  </a:cubicBezTo>
-                  <a:cubicBezTo>
-                    <a:pt x="5860" y="4852"/>
-                    <a:pt x="4915" y="5797"/>
-                    <a:pt x="3781" y="5797"/>
-                  </a:cubicBezTo>
-                  <a:cubicBezTo>
-                    <a:pt x="2615" y="5797"/>
-                    <a:pt x="1670" y="4852"/>
-                    <a:pt x="1670" y="3718"/>
-                  </a:cubicBezTo>
-                  <a:cubicBezTo>
-                    <a:pt x="1733" y="2552"/>
-                    <a:pt x="2615" y="1607"/>
-                    <a:pt x="3781" y="1607"/>
-                  </a:cubicBezTo>
-                  <a:cubicBezTo>
-                    <a:pt x="3875" y="1607"/>
-                    <a:pt x="3970" y="1607"/>
-                    <a:pt x="4033" y="1670"/>
-                  </a:cubicBezTo>
-                  <a:lnTo>
-                    <a:pt x="5356" y="347"/>
-                  </a:lnTo>
-                  <a:cubicBezTo>
-                    <a:pt x="4883" y="127"/>
-                    <a:pt x="4316" y="1"/>
-                    <a:pt x="3718" y="1"/>
-                  </a:cubicBezTo>
-                  <a:close/>
-                </a:path>
-              </a:pathLst>
-            </a:custGeom>
-            <a:grpFill/>
-            <a:ln>
-              <a:noFill/>
-            </a:ln>
-          </p:spPr>
-          <p:txBody>
-            <a:bodyPr spcFirstLastPara="1" wrap="square" lIns="91425" tIns="91425" rIns="91425" bIns="91425" anchor="ctr" anchorCtr="0">
-              <a:noAutofit/>
-            </a:bodyPr>
-            <a:lstStyle/>
-            <a:p>
-              <a:pPr marL="0" lvl="0" indent="0" algn="l" rtl="0">
-                <a:spcBef>
-                  <a:spcPts val="0"/>
-                </a:spcBef>
-                <a:spcAft>
-                  <a:spcPts val="0"/>
-                </a:spcAft>
-                <a:buNone/>
-              </a:pPr>
-              <a:endParaRPr/>
-            </a:p>
-          </p:txBody>
-        </p:sp>
-        <p:sp>
-          <p:nvSpPr>
-            <p:cNvPr id="15" name="Google Shape;6021;p70">
-              <a:extLst>
-                <a:ext uri="{FF2B5EF4-FFF2-40B4-BE49-F238E27FC236}">
-                  <a16:creationId xmlns:a16="http://schemas.microsoft.com/office/drawing/2014/main" id="{9D043435-6674-624A-9B80-BB4AB51070EA}"/>
-                </a:ext>
-              </a:extLst>
-            </p:cNvPr>
-            <p:cNvSpPr/>
-            <p:nvPr/>
-          </p:nvSpPr>
-          <p:spPr>
-            <a:xfrm>
-              <a:off x="-63250675" y="3751050"/>
-              <a:ext cx="311125" cy="311125"/>
-            </a:xfrm>
-            <a:custGeom>
-              <a:avLst/>
-              <a:gdLst/>
-              <a:ahLst/>
-              <a:cxnLst/>
-              <a:rect l="l" t="t" r="r" b="b"/>
-              <a:pathLst>
-                <a:path w="12445" h="12445" extrusionOk="0">
-                  <a:moveTo>
-                    <a:pt x="6270" y="0"/>
-                  </a:moveTo>
-                  <a:cubicBezTo>
-                    <a:pt x="2773" y="0"/>
-                    <a:pt x="0" y="2804"/>
-                    <a:pt x="0" y="6238"/>
-                  </a:cubicBezTo>
-                  <a:cubicBezTo>
-                    <a:pt x="0" y="9641"/>
-                    <a:pt x="2804" y="12445"/>
-                    <a:pt x="6238" y="12445"/>
-                  </a:cubicBezTo>
-                  <a:cubicBezTo>
-                    <a:pt x="9672" y="12445"/>
-                    <a:pt x="12445" y="9641"/>
-                    <a:pt x="12445" y="6238"/>
-                  </a:cubicBezTo>
-                  <a:cubicBezTo>
-                    <a:pt x="12445" y="5325"/>
-                    <a:pt x="12256" y="4411"/>
-                    <a:pt x="11878" y="3592"/>
-                  </a:cubicBezTo>
-                  <a:lnTo>
-                    <a:pt x="11563" y="3907"/>
-                  </a:lnTo>
-                  <a:cubicBezTo>
-                    <a:pt x="11342" y="4096"/>
-                    <a:pt x="11121" y="4222"/>
-                    <a:pt x="10838" y="4253"/>
-                  </a:cubicBezTo>
-                  <a:lnTo>
-                    <a:pt x="10397" y="4348"/>
-                  </a:lnTo>
-                  <a:cubicBezTo>
-                    <a:pt x="10680" y="4915"/>
-                    <a:pt x="10806" y="5545"/>
-                    <a:pt x="10806" y="6238"/>
-                  </a:cubicBezTo>
-                  <a:cubicBezTo>
-                    <a:pt x="10806" y="8759"/>
-                    <a:pt x="8759" y="10743"/>
-                    <a:pt x="6270" y="10743"/>
-                  </a:cubicBezTo>
-                  <a:cubicBezTo>
-                    <a:pt x="3781" y="10743"/>
-                    <a:pt x="1733" y="8696"/>
-                    <a:pt x="1733" y="6238"/>
-                  </a:cubicBezTo>
-                  <a:cubicBezTo>
-                    <a:pt x="1733" y="3718"/>
-                    <a:pt x="3781" y="1670"/>
-                    <a:pt x="6270" y="1670"/>
-                  </a:cubicBezTo>
-                  <a:cubicBezTo>
-                    <a:pt x="6931" y="1670"/>
-                    <a:pt x="7561" y="1796"/>
-                    <a:pt x="8160" y="2048"/>
-                  </a:cubicBezTo>
-                  <a:lnTo>
-                    <a:pt x="8254" y="1607"/>
-                  </a:lnTo>
-                  <a:cubicBezTo>
-                    <a:pt x="8286" y="1355"/>
-                    <a:pt x="8412" y="1103"/>
-                    <a:pt x="8601" y="914"/>
-                  </a:cubicBezTo>
-                  <a:lnTo>
-                    <a:pt x="8916" y="599"/>
-                  </a:lnTo>
-                  <a:cubicBezTo>
-                    <a:pt x="8097" y="189"/>
-                    <a:pt x="7215" y="0"/>
-                    <a:pt x="6270" y="0"/>
-                  </a:cubicBezTo>
-                  <a:close/>
-                </a:path>
-              </a:pathLst>
-            </a:custGeom>
-            <a:grpFill/>
-            <a:ln>
-              <a:noFill/>
-            </a:ln>
-          </p:spPr>
-          <p:txBody>
-            <a:bodyPr spcFirstLastPara="1" wrap="square" lIns="91425" tIns="91425" rIns="91425" bIns="91425" anchor="ctr" anchorCtr="0">
-              <a:noAutofit/>
-            </a:bodyPr>
-            <a:lstStyle/>
-            <a:p>
-              <a:pPr marL="0" lvl="0" indent="0" algn="l" rtl="0">
-                <a:spcBef>
-                  <a:spcPts val="0"/>
-                </a:spcBef>
-                <a:spcAft>
-                  <a:spcPts val="0"/>
-                </a:spcAft>
-                <a:buNone/>
-              </a:pPr>
-              <a:endParaRPr/>
-            </a:p>
-          </p:txBody>
-        </p:sp>
-      </p:grpSp>
-      <p:grpSp>
-        <p:nvGrpSpPr>
-          <p:cNvPr id="16" name="Google Shape;6018;p70">
-            <a:extLst>
-              <a:ext uri="{FF2B5EF4-FFF2-40B4-BE49-F238E27FC236}">
-                <a16:creationId xmlns:a16="http://schemas.microsoft.com/office/drawing/2014/main" id="{1F286F94-9007-8F4F-92C8-A8BEBA756F33}"/>
-              </a:ext>
-            </a:extLst>
-          </p:cNvPr>
-          <p:cNvGrpSpPr/>
-          <p:nvPr/>
-        </p:nvGrpSpPr>
-        <p:grpSpPr>
-          <a:xfrm>
-            <a:off x="9708173" y="3517533"/>
-            <a:ext cx="1477652" cy="1306792"/>
-            <a:chOff x="-63250675" y="3744075"/>
-            <a:chExt cx="320350" cy="318100"/>
-          </a:xfrm>
-          <a:solidFill>
-            <a:schemeClr val="accent2">
-              <a:lumMod val="60000"/>
-              <a:lumOff val="40000"/>
-            </a:schemeClr>
-          </a:solidFill>
-        </p:grpSpPr>
-        <p:sp>
-          <p:nvSpPr>
-            <p:cNvPr id="17" name="Google Shape;6019;p70">
-              <a:extLst>
-                <a:ext uri="{FF2B5EF4-FFF2-40B4-BE49-F238E27FC236}">
-                  <a16:creationId xmlns:a16="http://schemas.microsoft.com/office/drawing/2014/main" id="{8D5D11F0-29E2-284E-B76B-5CFAFD61ACCF}"/>
-                </a:ext>
-              </a:extLst>
-            </p:cNvPr>
-            <p:cNvSpPr/>
-            <p:nvPr/>
-          </p:nvSpPr>
-          <p:spPr>
-            <a:xfrm>
-              <a:off x="-63126250" y="3744075"/>
-              <a:ext cx="195925" cy="192875"/>
-            </a:xfrm>
-            <a:custGeom>
-              <a:avLst/>
-              <a:gdLst/>
-              <a:ahLst/>
-              <a:cxnLst/>
-              <a:rect l="l" t="t" r="r" b="b"/>
-              <a:pathLst>
-                <a:path w="7837" h="7715" extrusionOk="0">
-                  <a:moveTo>
-                    <a:pt x="6020" y="0"/>
-                  </a:moveTo>
-                  <a:cubicBezTo>
-                    <a:pt x="5921" y="0"/>
-                    <a:pt x="5820" y="37"/>
-                    <a:pt x="5735" y="122"/>
-                  </a:cubicBezTo>
-                  <a:lnTo>
-                    <a:pt x="4097" y="1760"/>
-                  </a:lnTo>
-                  <a:cubicBezTo>
-                    <a:pt x="4034" y="1854"/>
-                    <a:pt x="3971" y="1917"/>
-                    <a:pt x="3971" y="2012"/>
-                  </a:cubicBezTo>
-                  <a:lnTo>
-                    <a:pt x="3782" y="3304"/>
-                  </a:lnTo>
-                  <a:lnTo>
-                    <a:pt x="1734" y="5351"/>
-                  </a:lnTo>
-                  <a:cubicBezTo>
-                    <a:pt x="1576" y="5288"/>
-                    <a:pt x="1387" y="5225"/>
-                    <a:pt x="1230" y="5225"/>
-                  </a:cubicBezTo>
-                  <a:cubicBezTo>
-                    <a:pt x="537" y="5225"/>
-                    <a:pt x="1" y="5793"/>
-                    <a:pt x="1" y="6486"/>
-                  </a:cubicBezTo>
-                  <a:cubicBezTo>
-                    <a:pt x="1" y="7210"/>
-                    <a:pt x="537" y="7714"/>
-                    <a:pt x="1230" y="7714"/>
-                  </a:cubicBezTo>
-                  <a:cubicBezTo>
-                    <a:pt x="1891" y="7714"/>
-                    <a:pt x="2458" y="7179"/>
-                    <a:pt x="2458" y="6486"/>
-                  </a:cubicBezTo>
-                  <a:cubicBezTo>
-                    <a:pt x="2458" y="6297"/>
-                    <a:pt x="2395" y="6139"/>
-                    <a:pt x="2332" y="5982"/>
-                  </a:cubicBezTo>
-                  <a:lnTo>
-                    <a:pt x="4380" y="3934"/>
-                  </a:lnTo>
-                  <a:lnTo>
-                    <a:pt x="5672" y="3745"/>
-                  </a:lnTo>
-                  <a:cubicBezTo>
-                    <a:pt x="5735" y="3745"/>
-                    <a:pt x="5829" y="3713"/>
-                    <a:pt x="5924" y="3619"/>
-                  </a:cubicBezTo>
-                  <a:lnTo>
-                    <a:pt x="7562" y="1980"/>
-                  </a:lnTo>
-                  <a:cubicBezTo>
-                    <a:pt x="7837" y="1706"/>
-                    <a:pt x="7609" y="1254"/>
-                    <a:pt x="7251" y="1254"/>
-                  </a:cubicBezTo>
-                  <a:cubicBezTo>
-                    <a:pt x="7240" y="1254"/>
-                    <a:pt x="7228" y="1255"/>
-                    <a:pt x="7216" y="1256"/>
-                  </a:cubicBezTo>
-                  <a:lnTo>
-                    <a:pt x="6302" y="1382"/>
-                  </a:lnTo>
-                  <a:lnTo>
-                    <a:pt x="6428" y="468"/>
-                  </a:lnTo>
-                  <a:cubicBezTo>
-                    <a:pt x="6472" y="203"/>
-                    <a:pt x="6253" y="0"/>
-                    <a:pt x="6020" y="0"/>
-                  </a:cubicBezTo>
-                  <a:close/>
-                </a:path>
-              </a:pathLst>
-            </a:custGeom>
-            <a:grpFill/>
-            <a:ln>
-              <a:noFill/>
-            </a:ln>
-          </p:spPr>
-          <p:txBody>
-            <a:bodyPr spcFirstLastPara="1" wrap="square" lIns="91425" tIns="91425" rIns="91425" bIns="91425" anchor="ctr" anchorCtr="0">
-              <a:noAutofit/>
-            </a:bodyPr>
-            <a:lstStyle/>
-            <a:p>
-              <a:pPr marL="0" lvl="0" indent="0" algn="l" rtl="0">
-                <a:spcBef>
-                  <a:spcPts val="0"/>
-                </a:spcBef>
-                <a:spcAft>
-                  <a:spcPts val="0"/>
-                </a:spcAft>
-                <a:buNone/>
-              </a:pPr>
-              <a:endParaRPr/>
-            </a:p>
-          </p:txBody>
-        </p:sp>
-        <p:sp>
-          <p:nvSpPr>
-            <p:cNvPr id="18" name="Google Shape;6020;p70">
-              <a:extLst>
-                <a:ext uri="{FF2B5EF4-FFF2-40B4-BE49-F238E27FC236}">
-                  <a16:creationId xmlns:a16="http://schemas.microsoft.com/office/drawing/2014/main" id="{B18C0F58-ED4A-104B-BF94-A76D56DC3F7B}"/>
-                </a:ext>
-              </a:extLst>
-            </p:cNvPr>
-            <p:cNvSpPr/>
-            <p:nvPr/>
-          </p:nvSpPr>
-          <p:spPr>
-            <a:xfrm>
-              <a:off x="-63190025" y="3814050"/>
-              <a:ext cx="186675" cy="185900"/>
-            </a:xfrm>
-            <a:custGeom>
-              <a:avLst/>
-              <a:gdLst/>
-              <a:ahLst/>
-              <a:cxnLst/>
-              <a:rect l="l" t="t" r="r" b="b"/>
-              <a:pathLst>
-                <a:path w="7467" h="7436" extrusionOk="0">
-                  <a:moveTo>
-                    <a:pt x="3718" y="1"/>
-                  </a:moveTo>
-                  <a:cubicBezTo>
-                    <a:pt x="1670" y="1"/>
-                    <a:pt x="0" y="1670"/>
-                    <a:pt x="0" y="3750"/>
-                  </a:cubicBezTo>
-                  <a:cubicBezTo>
-                    <a:pt x="0" y="5797"/>
-                    <a:pt x="1638" y="7436"/>
-                    <a:pt x="3718" y="7436"/>
-                  </a:cubicBezTo>
-                  <a:cubicBezTo>
-                    <a:pt x="5765" y="7436"/>
-                    <a:pt x="7467" y="5797"/>
-                    <a:pt x="7467" y="3750"/>
-                  </a:cubicBezTo>
-                  <a:cubicBezTo>
-                    <a:pt x="7467" y="3151"/>
-                    <a:pt x="7341" y="2647"/>
-                    <a:pt x="7120" y="2143"/>
-                  </a:cubicBezTo>
-                  <a:lnTo>
-                    <a:pt x="5828" y="3435"/>
-                  </a:lnTo>
-                  <a:cubicBezTo>
-                    <a:pt x="5828" y="3498"/>
-                    <a:pt x="5860" y="3624"/>
-                    <a:pt x="5860" y="3718"/>
-                  </a:cubicBezTo>
-                  <a:cubicBezTo>
-                    <a:pt x="5860" y="4852"/>
-                    <a:pt x="4915" y="5797"/>
-                    <a:pt x="3781" y="5797"/>
-                  </a:cubicBezTo>
-                  <a:cubicBezTo>
-                    <a:pt x="2615" y="5797"/>
-                    <a:pt x="1670" y="4852"/>
-                    <a:pt x="1670" y="3718"/>
-                  </a:cubicBezTo>
-                  <a:cubicBezTo>
-                    <a:pt x="1733" y="2552"/>
-                    <a:pt x="2615" y="1607"/>
-                    <a:pt x="3781" y="1607"/>
-                  </a:cubicBezTo>
-                  <a:cubicBezTo>
-                    <a:pt x="3875" y="1607"/>
-                    <a:pt x="3970" y="1607"/>
-                    <a:pt x="4033" y="1670"/>
-                  </a:cubicBezTo>
-                  <a:lnTo>
-                    <a:pt x="5356" y="347"/>
-                  </a:lnTo>
-                  <a:cubicBezTo>
-                    <a:pt x="4883" y="127"/>
-                    <a:pt x="4316" y="1"/>
-                    <a:pt x="3718" y="1"/>
-                  </a:cubicBezTo>
-                  <a:close/>
-                </a:path>
-              </a:pathLst>
-            </a:custGeom>
-            <a:grpFill/>
-            <a:ln>
-              <a:noFill/>
-            </a:ln>
-          </p:spPr>
-          <p:txBody>
-            <a:bodyPr spcFirstLastPara="1" wrap="square" lIns="91425" tIns="91425" rIns="91425" bIns="91425" anchor="ctr" anchorCtr="0">
-              <a:noAutofit/>
-            </a:bodyPr>
-            <a:lstStyle/>
-            <a:p>
-              <a:pPr marL="0" lvl="0" indent="0" algn="l" rtl="0">
-                <a:spcBef>
-                  <a:spcPts val="0"/>
-                </a:spcBef>
-                <a:spcAft>
-                  <a:spcPts val="0"/>
-                </a:spcAft>
-                <a:buNone/>
-              </a:pPr>
-              <a:endParaRPr/>
-            </a:p>
-          </p:txBody>
-        </p:sp>
-        <p:sp>
-          <p:nvSpPr>
-            <p:cNvPr id="19" name="Google Shape;6021;p70">
-              <a:extLst>
-                <a:ext uri="{FF2B5EF4-FFF2-40B4-BE49-F238E27FC236}">
-                  <a16:creationId xmlns:a16="http://schemas.microsoft.com/office/drawing/2014/main" id="{8BF2DCDA-F3B1-F84D-A412-126FB80D89B0}"/>
-                </a:ext>
-              </a:extLst>
-            </p:cNvPr>
-            <p:cNvSpPr/>
-            <p:nvPr/>
-          </p:nvSpPr>
-          <p:spPr>
-            <a:xfrm>
-              <a:off x="-63250675" y="3751050"/>
-              <a:ext cx="311125" cy="311125"/>
-            </a:xfrm>
-            <a:custGeom>
-              <a:avLst/>
-              <a:gdLst/>
-              <a:ahLst/>
-              <a:cxnLst/>
-              <a:rect l="l" t="t" r="r" b="b"/>
-              <a:pathLst>
-                <a:path w="12445" h="12445" extrusionOk="0">
-                  <a:moveTo>
-                    <a:pt x="6270" y="0"/>
-                  </a:moveTo>
-                  <a:cubicBezTo>
-                    <a:pt x="2773" y="0"/>
-                    <a:pt x="0" y="2804"/>
-                    <a:pt x="0" y="6238"/>
-                  </a:cubicBezTo>
-                  <a:cubicBezTo>
-                    <a:pt x="0" y="9641"/>
-                    <a:pt x="2804" y="12445"/>
-                    <a:pt x="6238" y="12445"/>
-                  </a:cubicBezTo>
-                  <a:cubicBezTo>
-                    <a:pt x="9672" y="12445"/>
-                    <a:pt x="12445" y="9641"/>
-                    <a:pt x="12445" y="6238"/>
-                  </a:cubicBezTo>
-                  <a:cubicBezTo>
-                    <a:pt x="12445" y="5325"/>
-                    <a:pt x="12256" y="4411"/>
-                    <a:pt x="11878" y="3592"/>
-                  </a:cubicBezTo>
-                  <a:lnTo>
-                    <a:pt x="11563" y="3907"/>
-                  </a:lnTo>
-                  <a:cubicBezTo>
-                    <a:pt x="11342" y="4096"/>
-                    <a:pt x="11121" y="4222"/>
-                    <a:pt x="10838" y="4253"/>
-                  </a:cubicBezTo>
-                  <a:lnTo>
-                    <a:pt x="10397" y="4348"/>
-                  </a:lnTo>
-                  <a:cubicBezTo>
-                    <a:pt x="10680" y="4915"/>
-                    <a:pt x="10806" y="5545"/>
-                    <a:pt x="10806" y="6238"/>
-                  </a:cubicBezTo>
-                  <a:cubicBezTo>
-                    <a:pt x="10806" y="8759"/>
-                    <a:pt x="8759" y="10743"/>
-                    <a:pt x="6270" y="10743"/>
-                  </a:cubicBezTo>
-                  <a:cubicBezTo>
-                    <a:pt x="3781" y="10743"/>
-                    <a:pt x="1733" y="8696"/>
-                    <a:pt x="1733" y="6238"/>
-                  </a:cubicBezTo>
-                  <a:cubicBezTo>
-                    <a:pt x="1733" y="3718"/>
-                    <a:pt x="3781" y="1670"/>
-                    <a:pt x="6270" y="1670"/>
-                  </a:cubicBezTo>
-                  <a:cubicBezTo>
-                    <a:pt x="6931" y="1670"/>
-                    <a:pt x="7561" y="1796"/>
-                    <a:pt x="8160" y="2048"/>
-                  </a:cubicBezTo>
-                  <a:lnTo>
-                    <a:pt x="8254" y="1607"/>
-                  </a:lnTo>
-                  <a:cubicBezTo>
-                    <a:pt x="8286" y="1355"/>
-                    <a:pt x="8412" y="1103"/>
-                    <a:pt x="8601" y="914"/>
-                  </a:cubicBezTo>
-                  <a:lnTo>
-                    <a:pt x="8916" y="599"/>
-                  </a:lnTo>
-                  <a:cubicBezTo>
-                    <a:pt x="8097" y="189"/>
-                    <a:pt x="7215" y="0"/>
-                    <a:pt x="6270" y="0"/>
-                  </a:cubicBezTo>
-                  <a:close/>
-                </a:path>
-              </a:pathLst>
-            </a:custGeom>
-            <a:grpFill/>
-            <a:ln>
-              <a:noFill/>
-            </a:ln>
-          </p:spPr>
-          <p:txBody>
-            <a:bodyPr spcFirstLastPara="1" wrap="square" lIns="91425" tIns="91425" rIns="91425" bIns="91425" anchor="ctr" anchorCtr="0">
-              <a:noAutofit/>
-            </a:bodyPr>
-            <a:lstStyle/>
-            <a:p>
-              <a:pPr marL="0" lvl="0" indent="0" algn="l" rtl="0">
-                <a:spcBef>
-                  <a:spcPts val="0"/>
-                </a:spcBef>
-                <a:spcAft>
-                  <a:spcPts val="0"/>
-                </a:spcAft>
-                <a:buNone/>
-              </a:pPr>
-              <a:endParaRPr/>
-            </a:p>
-          </p:txBody>
-        </p:sp>
-      </p:grpSp>
       <p:sp>
         <p:nvSpPr>
           <p:cNvPr id="21" name="CasellaDiTesto 20">
@@ -17503,8 +16803,8 @@
         </p:nvSpPr>
         <p:spPr>
           <a:xfrm>
-            <a:off x="2877912" y="901817"/>
-            <a:ext cx="3316057" cy="461665"/>
+            <a:off x="2761539" y="527737"/>
+            <a:ext cx="2337737" cy="369332"/>
           </a:xfrm>
           <a:prstGeom prst="rect">
             <a:avLst/>
@@ -17524,7 +16824,7 @@
           <a:lstStyle/>
           <a:p>
             <a:r>
-              <a:rPr lang="it-IT" sz="2400" dirty="0">
+              <a:rPr lang="it-IT" dirty="0">
                 <a:solidFill>
                   <a:schemeClr val="tx1">
                     <a:lumMod val="65000"/>
@@ -17536,7 +16836,7 @@
               <a:t>Propensity to </a:t>
             </a:r>
             <a:r>
-              <a:rPr lang="it-IT" sz="2400" b="1" dirty="0">
+              <a:rPr lang="it-IT" b="1" dirty="0">
                 <a:solidFill>
                   <a:schemeClr val="tx1">
                     <a:lumMod val="65000"/>
@@ -17548,7 +16848,7 @@
               <a:t>churn</a:t>
             </a:r>
             <a:r>
-              <a:rPr lang="it-IT" sz="2400" dirty="0">
+              <a:rPr lang="it-IT" dirty="0">
                 <a:solidFill>
                   <a:schemeClr val="tx1">
                     <a:lumMod val="65000"/>
@@ -17558,52 +16858,6 @@
                 <a:latin typeface="Century Gothic" panose="020B0502020202020204" pitchFamily="34" charset="0"/>
               </a:rPr>
               <a:t> </a:t>
-            </a:r>
-          </a:p>
-        </p:txBody>
-      </p:sp>
-      <p:sp>
-        <p:nvSpPr>
-          <p:cNvPr id="23" name="CasellaDiTesto 22">
-            <a:extLst>
-              <a:ext uri="{FF2B5EF4-FFF2-40B4-BE49-F238E27FC236}">
-                <a16:creationId xmlns:a16="http://schemas.microsoft.com/office/drawing/2014/main" id="{91BBC257-EF07-2A45-BBCD-620FD3C299D7}"/>
-              </a:ext>
-            </a:extLst>
-          </p:cNvPr>
-          <p:cNvSpPr txBox="1"/>
-          <p:nvPr/>
-        </p:nvSpPr>
-        <p:spPr>
-          <a:xfrm>
-            <a:off x="2129727" y="1480290"/>
-            <a:ext cx="3966273" cy="1815882"/>
-          </a:xfrm>
-          <a:prstGeom prst="flowChartOnlineStorage">
-            <a:avLst/>
-          </a:prstGeom>
-          <a:noFill/>
-          <a:ln>
-            <a:noFill/>
-          </a:ln>
-        </p:spPr>
-        <p:txBody>
-          <a:bodyPr wrap="square" rtlCol="0">
-            <a:spAutoFit/>
-          </a:bodyPr>
-          <a:lstStyle/>
-          <a:p>
-            <a:r>
-              <a:rPr lang="it-IT" sz="1600" dirty="0">
-                <a:solidFill>
-                  <a:schemeClr val="tx1">
-                    <a:lumMod val="50000"/>
-                    <a:lumOff val="50000"/>
-                  </a:schemeClr>
-                </a:solidFill>
-                <a:latin typeface="Century Gothic" panose="020B0502020202020204" pitchFamily="34" charset="0"/>
-              </a:rPr>
-              <a:t>FKJDNFJKNSDFKLJNSDLKFNSLKDFNSADLKNFLKSDNFKSDNFSDNFSNDFLKSDANFLKSANLKFNLKFNSDLKFNSDLKNFLDSKNFLKASNFLKASNFLKASNFLKASNFLKSNFLDFASFSADFSADFASFD</a:t>
             </a:r>
           </a:p>
         </p:txBody>
@@ -17622,8 +16876,8 @@
         </p:nvSpPr>
         <p:spPr>
           <a:xfrm>
-            <a:off x="6427045" y="3709264"/>
-            <a:ext cx="841749" cy="461665"/>
+            <a:off x="6763885" y="2295589"/>
+            <a:ext cx="652627" cy="369332"/>
           </a:xfrm>
           <a:prstGeom prst="rect">
             <a:avLst/>
@@ -17643,7 +16897,7 @@
           <a:lstStyle/>
           <a:p>
             <a:r>
-              <a:rPr lang="it-IT" sz="2400" b="1" dirty="0">
+              <a:rPr lang="it-IT" b="1" dirty="0">
                 <a:solidFill>
                   <a:schemeClr val="tx1">
                     <a:lumMod val="65000"/>
@@ -17657,6 +16911,37 @@
           </a:p>
         </p:txBody>
       </p:sp>
+      <p:pic>
+        <p:nvPicPr>
+          <p:cNvPr id="9" name="Immagine 8" descr="Immagine che contiene testo&#10;&#10;Descrizione generata automaticamente">
+            <a:extLst>
+              <a:ext uri="{FF2B5EF4-FFF2-40B4-BE49-F238E27FC236}">
+                <a16:creationId xmlns:a16="http://schemas.microsoft.com/office/drawing/2014/main" id="{C62121B2-CCED-4F4F-87A1-079E9DDF3FB6}"/>
+              </a:ext>
+            </a:extLst>
+          </p:cNvPr>
+          <p:cNvPicPr>
+            <a:picLocks noChangeAspect="1"/>
+          </p:cNvPicPr>
+          <p:nvPr/>
+        </p:nvPicPr>
+        <p:blipFill rotWithShape="1">
+          <a:blip r:embed="rId2">
+            <a:alphaModFix amt="50000"/>
+          </a:blip>
+          <a:srcRect l="23028" r="23095" b="26834"/>
+          <a:stretch/>
+        </p:blipFill>
+        <p:spPr>
+          <a:xfrm>
+            <a:off x="315300" y="862242"/>
+            <a:ext cx="2185394" cy="1503173"/>
+          </a:xfrm>
+          <a:prstGeom prst="rect">
+            <a:avLst/>
+          </a:prstGeom>
+        </p:spPr>
+      </p:pic>
       <p:sp>
         <p:nvSpPr>
           <p:cNvPr id="25" name="Rettangolo 24">
@@ -17671,8 +16956,8 @@
         </p:nvSpPr>
         <p:spPr>
           <a:xfrm>
-            <a:off x="6357767" y="4274084"/>
-            <a:ext cx="3163920" cy="1569660"/>
+            <a:off x="6694605" y="2771581"/>
+            <a:ext cx="3056121" cy="1384995"/>
           </a:xfrm>
           <a:prstGeom prst="rect">
             <a:avLst/>
@@ -17684,8 +16969,9 @@
           </a:bodyPr>
           <a:lstStyle/>
           <a:p>
+            <a:pPr algn="just"/>
             <a:r>
-              <a:rPr lang="it-IT" sz="1600" dirty="0">
+              <a:rPr lang="it-IT" sz="1400" dirty="0">
                 <a:solidFill>
                   <a:schemeClr val="tx1">
                     <a:lumMod val="50000"/>
@@ -17694,11 +16980,209 @@
                 </a:solidFill>
                 <a:latin typeface="Century Gothic" panose="020B0502020202020204" pitchFamily="34" charset="0"/>
               </a:rPr>
-              <a:t>FKJDNFJKNSDFKLJNSDLKFNSLKDFNSADLKNFLKSDNFKSDNFSDNFSNDFLKSDANFLKSANLKFNLKFNSDLKFNSDLKNFLDSKNFLKASNFLKASNFLKASNFLKASNFLKSNFLDFASFSADFSADFASFD</a:t>
+              <a:t>L’intento è quello di segmentare i propri clienti assegnando a ciascuno di essi un valore in modo tale da pianificare differenti strategie di marketing e comunicazione </a:t>
             </a:r>
           </a:p>
         </p:txBody>
       </p:sp>
+      <p:sp>
+        <p:nvSpPr>
+          <p:cNvPr id="23" name="CasellaDiTesto 22">
+            <a:extLst>
+              <a:ext uri="{FF2B5EF4-FFF2-40B4-BE49-F238E27FC236}">
+                <a16:creationId xmlns:a16="http://schemas.microsoft.com/office/drawing/2014/main" id="{91BBC257-EF07-2A45-BBCD-620FD3C299D7}"/>
+              </a:ext>
+            </a:extLst>
+          </p:cNvPr>
+          <p:cNvSpPr txBox="1"/>
+          <p:nvPr/>
+        </p:nvSpPr>
+        <p:spPr>
+          <a:xfrm>
+            <a:off x="2692264" y="1081721"/>
+            <a:ext cx="3056121" cy="1600438"/>
+          </a:xfrm>
+          <a:prstGeom prst="rect">
+            <a:avLst/>
+          </a:prstGeom>
+          <a:noFill/>
+          <a:ln>
+            <a:noFill/>
+          </a:ln>
+        </p:spPr>
+        <p:txBody>
+          <a:bodyPr wrap="square" rtlCol="0">
+            <a:spAutoFit/>
+          </a:bodyPr>
+          <a:lstStyle/>
+          <a:p>
+            <a:pPr algn="just"/>
+            <a:r>
+              <a:rPr lang="it-IT" sz="1400" dirty="0">
+                <a:solidFill>
+                  <a:schemeClr val="tx1">
+                    <a:lumMod val="50000"/>
+                    <a:lumOff val="50000"/>
+                  </a:schemeClr>
+                </a:solidFill>
+                <a:latin typeface="Century Gothic" panose="020B0502020202020204" pitchFamily="34" charset="0"/>
+              </a:rPr>
+              <a:t>L’obiettivo è quello di prevenire l’abbandono dei propri clienti cercando di aumentare il tasso di fidelizzazione e retention. Diventata fondamentale comprendere quali azioni svolgere per trattenere i clienti</a:t>
+            </a:r>
+          </a:p>
+        </p:txBody>
+      </p:sp>
+      <p:pic>
+        <p:nvPicPr>
+          <p:cNvPr id="11" name="Immagine 10">
+            <a:extLst>
+              <a:ext uri="{FF2B5EF4-FFF2-40B4-BE49-F238E27FC236}">
+                <a16:creationId xmlns:a16="http://schemas.microsoft.com/office/drawing/2014/main" id="{1A22630D-3EE7-1F44-A80A-06801AF290FB}"/>
+              </a:ext>
+            </a:extLst>
+          </p:cNvPr>
+          <p:cNvPicPr>
+            <a:picLocks noChangeAspect="1"/>
+          </p:cNvPicPr>
+          <p:nvPr/>
+        </p:nvPicPr>
+        <p:blipFill>
+          <a:blip r:embed="rId3"/>
+          <a:stretch>
+            <a:fillRect/>
+          </a:stretch>
+        </p:blipFill>
+        <p:spPr>
+          <a:xfrm>
+            <a:off x="10068927" y="2428469"/>
+            <a:ext cx="1670043" cy="1636642"/>
+          </a:xfrm>
+          <a:prstGeom prst="rect">
+            <a:avLst/>
+          </a:prstGeom>
+        </p:spPr>
+      </p:pic>
+      <p:sp>
+        <p:nvSpPr>
+          <p:cNvPr id="26" name="CasellaDiTesto 25">
+            <a:extLst>
+              <a:ext uri="{FF2B5EF4-FFF2-40B4-BE49-F238E27FC236}">
+                <a16:creationId xmlns:a16="http://schemas.microsoft.com/office/drawing/2014/main" id="{E696A5C9-70FC-944F-BFF8-F3AA0EDEF68F}"/>
+              </a:ext>
+            </a:extLst>
+          </p:cNvPr>
+          <p:cNvSpPr txBox="1"/>
+          <p:nvPr/>
+        </p:nvSpPr>
+        <p:spPr>
+          <a:xfrm>
+            <a:off x="1788800" y="4219123"/>
+            <a:ext cx="1311743" cy="369332"/>
+          </a:xfrm>
+          <a:prstGeom prst="rect">
+            <a:avLst/>
+          </a:prstGeom>
+          <a:noFill/>
+          <a:ln w="28575">
+            <a:solidFill>
+              <a:schemeClr val="accent2"/>
+            </a:solidFill>
+            <a:prstDash val="sysDash"/>
+          </a:ln>
+        </p:spPr>
+        <p:txBody>
+          <a:bodyPr wrap="square" rtlCol="0">
+            <a:spAutoFit/>
+          </a:bodyPr>
+          <a:lstStyle/>
+          <a:p>
+            <a:r>
+              <a:rPr lang="it-IT" b="1" dirty="0">
+                <a:solidFill>
+                  <a:schemeClr val="tx1">
+                    <a:lumMod val="65000"/>
+                    <a:lumOff val="35000"/>
+                  </a:schemeClr>
+                </a:solidFill>
+                <a:latin typeface="Century Gothic" panose="020B0502020202020204" pitchFamily="34" charset="0"/>
+              </a:rPr>
+              <a:t>Clustering</a:t>
+            </a:r>
+          </a:p>
+        </p:txBody>
+      </p:sp>
+      <p:sp>
+        <p:nvSpPr>
+          <p:cNvPr id="27" name="Rettangolo 26">
+            <a:extLst>
+              <a:ext uri="{FF2B5EF4-FFF2-40B4-BE49-F238E27FC236}">
+                <a16:creationId xmlns:a16="http://schemas.microsoft.com/office/drawing/2014/main" id="{BC1493F4-0A96-2346-990E-62FB427B8929}"/>
+              </a:ext>
+            </a:extLst>
+          </p:cNvPr>
+          <p:cNvSpPr/>
+          <p:nvPr/>
+        </p:nvSpPr>
+        <p:spPr>
+          <a:xfrm>
+            <a:off x="1719520" y="4695115"/>
+            <a:ext cx="3056121" cy="954107"/>
+          </a:xfrm>
+          <a:prstGeom prst="rect">
+            <a:avLst/>
+          </a:prstGeom>
+        </p:spPr>
+        <p:txBody>
+          <a:bodyPr wrap="square">
+            <a:spAutoFit/>
+          </a:bodyPr>
+          <a:lstStyle/>
+          <a:p>
+            <a:pPr algn="just"/>
+            <a:r>
+              <a:rPr lang="it-IT" sz="1400" dirty="0">
+                <a:solidFill>
+                  <a:schemeClr val="tx1">
+                    <a:lumMod val="50000"/>
+                    <a:lumOff val="50000"/>
+                  </a:schemeClr>
+                </a:solidFill>
+                <a:latin typeface="Century Gothic" panose="020B0502020202020204" pitchFamily="34" charset="0"/>
+              </a:rPr>
+              <a:t>Si cerca di individuare gruppi di clienti con caratteristiche simili in modo tale da avere una visione strategica della customer base</a:t>
+            </a:r>
+          </a:p>
+        </p:txBody>
+      </p:sp>
+      <p:pic>
+        <p:nvPicPr>
+          <p:cNvPr id="22" name="Immagine 21" descr="Immagine che contiene testo&#10;&#10;Descrizione generata automaticamente">
+            <a:extLst>
+              <a:ext uri="{FF2B5EF4-FFF2-40B4-BE49-F238E27FC236}">
+                <a16:creationId xmlns:a16="http://schemas.microsoft.com/office/drawing/2014/main" id="{A7E4729B-B7A2-4044-9662-BF7501C74D9F}"/>
+              </a:ext>
+            </a:extLst>
+          </p:cNvPr>
+          <p:cNvPicPr>
+            <a:picLocks noChangeAspect="1"/>
+          </p:cNvPicPr>
+          <p:nvPr/>
+        </p:nvPicPr>
+        <p:blipFill rotWithShape="1">
+          <a:blip r:embed="rId4"/>
+          <a:srcRect b="13729"/>
+          <a:stretch/>
+        </p:blipFill>
+        <p:spPr>
+          <a:xfrm>
+            <a:off x="4940290" y="4805190"/>
+            <a:ext cx="2227758" cy="943966"/>
+          </a:xfrm>
+          <a:prstGeom prst="rect">
+            <a:avLst/>
+          </a:prstGeom>
+        </p:spPr>
+      </p:pic>
     </p:spTree>
     <p:extLst>
       <p:ext uri="{BB962C8B-B14F-4D97-AF65-F5344CB8AC3E}">
@@ -18305,8 +17789,8 @@
         </p:nvSpPr>
         <p:spPr>
           <a:xfrm>
-            <a:off x="2232166" y="1039043"/>
-            <a:ext cx="3390672" cy="2523768"/>
+            <a:off x="2210077" y="1146765"/>
+            <a:ext cx="2512226" cy="1877437"/>
           </a:xfrm>
           <a:prstGeom prst="rect">
             <a:avLst/>
@@ -18319,11 +17803,18 @@
           <a:lstStyle/>
           <a:p>
             <a:pPr marL="285750" indent="-285750">
-              <a:buFont typeface="Wingdings" pitchFamily="2" charset="2"/>
-              <a:buChar char="ü"/>
+              <a:buClr>
+                <a:schemeClr val="bg1">
+                  <a:lumMod val="50000"/>
+                </a:schemeClr>
+              </a:buClr>
+              <a:buSzPct val="102000"/>
+              <a:buBlip>
+                <a:blip r:embed="rId3"/>
+              </a:buBlip>
             </a:pPr>
             <a:r>
-              <a:rPr lang="it-IT" sz="2000" dirty="0">
+              <a:rPr lang="it-IT" sz="1400" dirty="0">
                 <a:solidFill>
                   <a:schemeClr val="tx1">
                     <a:lumMod val="50000"/>
@@ -18337,10 +17828,17 @@
           </a:p>
           <a:p>
             <a:pPr marL="285750" indent="-285750">
-              <a:buFont typeface="Wingdings" pitchFamily="2" charset="2"/>
-              <a:buChar char="ü"/>
+              <a:buClr>
+                <a:schemeClr val="bg1">
+                  <a:lumMod val="50000"/>
+                </a:schemeClr>
+              </a:buClr>
+              <a:buSzPct val="102000"/>
+              <a:buBlip>
+                <a:blip r:embed="rId3"/>
+              </a:buBlip>
             </a:pPr>
-            <a:endParaRPr lang="it-IT" sz="2000" dirty="0">
+            <a:endParaRPr lang="it-IT" sz="1400" dirty="0">
               <a:solidFill>
                 <a:schemeClr val="tx1">
                   <a:lumMod val="50000"/>
@@ -18352,11 +17850,18 @@
           </a:p>
           <a:p>
             <a:pPr marL="285750" indent="-285750">
-              <a:buFont typeface="Wingdings" pitchFamily="2" charset="2"/>
-              <a:buChar char="ü"/>
+              <a:buClr>
+                <a:schemeClr val="bg1">
+                  <a:lumMod val="50000"/>
+                </a:schemeClr>
+              </a:buClr>
+              <a:buSzPct val="102000"/>
+              <a:buBlip>
+                <a:blip r:embed="rId3"/>
+              </a:buBlip>
             </a:pPr>
             <a:r>
-              <a:rPr lang="it-IT" sz="2000" dirty="0">
+              <a:rPr lang="it-IT" sz="1400" dirty="0">
                 <a:solidFill>
                   <a:schemeClr val="tx1">
                     <a:lumMod val="50000"/>
@@ -18370,10 +17875,17 @@
           </a:p>
           <a:p>
             <a:pPr marL="285750" indent="-285750">
-              <a:buFont typeface="Wingdings" pitchFamily="2" charset="2"/>
-              <a:buChar char="ü"/>
+              <a:buClr>
+                <a:schemeClr val="bg1">
+                  <a:lumMod val="50000"/>
+                </a:schemeClr>
+              </a:buClr>
+              <a:buSzPct val="102000"/>
+              <a:buBlip>
+                <a:blip r:embed="rId3"/>
+              </a:buBlip>
             </a:pPr>
-            <a:endParaRPr lang="it-IT" sz="2000" dirty="0">
+            <a:endParaRPr lang="it-IT" sz="1400" dirty="0">
               <a:solidFill>
                 <a:schemeClr val="tx1">
                   <a:lumMod val="50000"/>
@@ -18385,11 +17897,18 @@
           </a:p>
           <a:p>
             <a:pPr marL="285750" indent="-285750">
-              <a:buFont typeface="Wingdings" pitchFamily="2" charset="2"/>
-              <a:buChar char="ü"/>
+              <a:buClr>
+                <a:schemeClr val="bg1">
+                  <a:lumMod val="50000"/>
+                </a:schemeClr>
+              </a:buClr>
+              <a:buSzPct val="102000"/>
+              <a:buBlip>
+                <a:blip r:embed="rId3"/>
+              </a:buBlip>
             </a:pPr>
             <a:r>
-              <a:rPr lang="it-IT" sz="2000" dirty="0">
+              <a:rPr lang="it-IT" sz="1400" dirty="0">
                 <a:solidFill>
                   <a:schemeClr val="tx1">
                     <a:lumMod val="50000"/>
@@ -18403,10 +17922,17 @@
           </a:p>
           <a:p>
             <a:pPr marL="285750" indent="-285750">
-              <a:buFont typeface="Wingdings" pitchFamily="2" charset="2"/>
-              <a:buChar char="ü"/>
+              <a:buClr>
+                <a:schemeClr val="bg1">
+                  <a:lumMod val="50000"/>
+                </a:schemeClr>
+              </a:buClr>
+              <a:buSzPct val="102000"/>
+              <a:buBlip>
+                <a:blip r:embed="rId3"/>
+              </a:buBlip>
             </a:pPr>
-            <a:endParaRPr lang="it-IT" sz="2000" dirty="0">
+            <a:endParaRPr lang="it-IT" sz="1400" dirty="0">
               <a:solidFill>
                 <a:schemeClr val="tx1">
                   <a:lumMod val="50000"/>
@@ -18418,11 +17944,18 @@
           </a:p>
           <a:p>
             <a:pPr marL="285750" indent="-285750">
-              <a:buFont typeface="Wingdings" pitchFamily="2" charset="2"/>
-              <a:buChar char="ü"/>
+              <a:buClr>
+                <a:schemeClr val="bg1">
+                  <a:lumMod val="50000"/>
+                </a:schemeClr>
+              </a:buClr>
+              <a:buSzPct val="102000"/>
+              <a:buBlip>
+                <a:blip r:embed="rId3"/>
+              </a:buBlip>
             </a:pPr>
             <a:r>
-              <a:rPr lang="it-IT" sz="2000" dirty="0">
+              <a:rPr lang="it-IT" sz="1400" dirty="0">
                 <a:solidFill>
                   <a:schemeClr val="tx1">
                     <a:lumMod val="50000"/>
@@ -18458,7 +17991,7 @@
           <p:nvPr/>
         </p:nvPicPr>
         <p:blipFill rotWithShape="1">
-          <a:blip r:embed="rId3">
+          <a:blip r:embed="rId4">
             <a:duotone>
               <a:schemeClr val="bg2">
                 <a:shade val="45000"/>
@@ -18495,7 +18028,7 @@
           <p:nvPr/>
         </p:nvPicPr>
         <p:blipFill>
-          <a:blip r:embed="rId4">
+          <a:blip r:embed="rId5">
             <a:duotone>
               <a:schemeClr val="bg2">
                 <a:shade val="45000"/>
@@ -18533,7 +18066,7 @@
           <p:nvPr/>
         </p:nvPicPr>
         <p:blipFill>
-          <a:blip r:embed="rId5">
+          <a:blip r:embed="rId6">
             <a:duotone>
               <a:schemeClr val="bg2">
                 <a:shade val="45000"/>
@@ -18574,7 +18107,12 @@
             <a:ext cx="1907982" cy="1324193"/>
           </a:xfrm>
           <a:prstGeom prst="bentArrow">
-            <a:avLst/>
+            <a:avLst>
+              <a:gd name="adj1" fmla="val 25000"/>
+              <a:gd name="adj2" fmla="val 25000"/>
+              <a:gd name="adj3" fmla="val 25000"/>
+              <a:gd name="adj4" fmla="val 46888"/>
+            </a:avLst>
           </a:prstGeom>
           <a:noFill/>
           <a:ln w="57150">
@@ -18629,7 +18167,7 @@
         <p:spPr>
           <a:xfrm>
             <a:off x="9057917" y="2228761"/>
-            <a:ext cx="2797470" cy="400110"/>
+            <a:ext cx="2543674" cy="369332"/>
           </a:xfrm>
           <a:prstGeom prst="rect">
             <a:avLst/>
@@ -18649,7 +18187,7 @@
           <a:lstStyle/>
           <a:p>
             <a:r>
-              <a:rPr lang="it-IT" sz="2000" b="1" dirty="0">
+              <a:rPr lang="it-IT" b="1" dirty="0">
                 <a:solidFill>
                   <a:schemeClr val="tx1">
                     <a:lumMod val="65000"/>
@@ -18661,7 +18199,7 @@
               <a:t>Esplorazione</a:t>
             </a:r>
             <a:r>
-              <a:rPr lang="it-IT" sz="2000" dirty="0">
+              <a:rPr lang="it-IT" dirty="0">
                 <a:solidFill>
                   <a:schemeClr val="tx1">
                     <a:lumMod val="65000"/>
@@ -18690,7 +18228,7 @@
         <p:spPr>
           <a:xfrm>
             <a:off x="414010" y="261787"/>
-            <a:ext cx="2697680" cy="400110"/>
+            <a:ext cx="2453881" cy="369332"/>
           </a:xfrm>
           <a:prstGeom prst="rect">
             <a:avLst/>
@@ -18710,7 +18248,7 @@
           <a:lstStyle/>
           <a:p>
             <a:r>
-              <a:rPr lang="it-IT" sz="2000" dirty="0">
+              <a:rPr lang="it-IT" dirty="0">
                 <a:solidFill>
                   <a:schemeClr val="tx1">
                     <a:lumMod val="65000"/>
@@ -18722,7 +18260,7 @@
               <a:t>Data </a:t>
             </a:r>
             <a:r>
-              <a:rPr lang="it-IT" sz="2000" b="1" dirty="0">
+              <a:rPr lang="it-IT" b="1" dirty="0">
                 <a:solidFill>
                   <a:schemeClr val="tx1">
                     <a:lumMod val="65000"/>
@@ -19403,7 +18941,7 @@
         </p:nvSpPr>
         <p:spPr>
           <a:xfrm>
-            <a:off x="9667348" y="1540031"/>
+            <a:off x="9291356" y="1400501"/>
             <a:ext cx="2268686" cy="369332"/>
           </a:xfrm>
           <a:prstGeom prst="rect">
@@ -19464,7 +19002,7 @@
         </p:nvSpPr>
         <p:spPr>
           <a:xfrm>
-            <a:off x="638229" y="1492886"/>
+            <a:off x="1274372" y="1400501"/>
             <a:ext cx="2137475" cy="369332"/>
           </a:xfrm>
           <a:prstGeom prst="rect">
@@ -19525,7 +19063,7 @@
         </p:nvSpPr>
         <p:spPr>
           <a:xfrm>
-            <a:off x="9667348" y="2049313"/>
+            <a:off x="9291356" y="2011213"/>
             <a:ext cx="2784144" cy="2308324"/>
           </a:xfrm>
           <a:prstGeom prst="rect">
@@ -19707,8 +19245,8 @@
         </p:nvSpPr>
         <p:spPr>
           <a:xfrm>
-            <a:off x="5985911" y="1215887"/>
-            <a:ext cx="2268686" cy="646331"/>
+            <a:off x="5528043" y="1400501"/>
+            <a:ext cx="2588073" cy="369332"/>
           </a:xfrm>
           <a:prstGeom prst="rect">
             <a:avLst/>
@@ -19768,7 +19306,7 @@
         </p:nvSpPr>
         <p:spPr>
           <a:xfrm>
-            <a:off x="5985911" y="2004870"/>
+            <a:off x="5528043" y="1966770"/>
             <a:ext cx="2784144" cy="3754874"/>
           </a:xfrm>
           <a:prstGeom prst="rect">
@@ -19999,36 +19537,6 @@
           </a:p>
         </p:txBody>
       </p:sp>
-      <p:pic>
-        <p:nvPicPr>
-          <p:cNvPr id="7" name="Immagine 6">
-            <a:extLst>
-              <a:ext uri="{FF2B5EF4-FFF2-40B4-BE49-F238E27FC236}">
-                <a16:creationId xmlns:a16="http://schemas.microsoft.com/office/drawing/2014/main" id="{505D3294-491E-4241-923F-EFCD9C92BD0B}"/>
-              </a:ext>
-            </a:extLst>
-          </p:cNvPr>
-          <p:cNvPicPr>
-            <a:picLocks noChangeAspect="1"/>
-          </p:cNvPicPr>
-          <p:nvPr/>
-        </p:nvPicPr>
-        <p:blipFill>
-          <a:blip r:embed="rId2"/>
-          <a:stretch>
-            <a:fillRect/>
-          </a:stretch>
-        </p:blipFill>
-        <p:spPr>
-          <a:xfrm>
-            <a:off x="515458" y="2089776"/>
-            <a:ext cx="4376949" cy="2722249"/>
-          </a:xfrm>
-          <a:prstGeom prst="rect">
-            <a:avLst/>
-          </a:prstGeom>
-        </p:spPr>
-      </p:pic>
       <p:sp>
         <p:nvSpPr>
           <p:cNvPr id="24" name="CasellaDiTesto 23">
@@ -20087,7 +19595,7 @@
         </p:nvSpPr>
         <p:spPr>
           <a:xfrm>
-            <a:off x="2108263" y="4998858"/>
+            <a:off x="2019775" y="4998858"/>
             <a:ext cx="2784144" cy="1200329"/>
           </a:xfrm>
           <a:prstGeom prst="rect">
@@ -20129,6 +19637,212 @@
           </a:p>
           <a:p>
             <a:endParaRPr lang="it-IT" sz="1600" dirty="0"/>
+          </a:p>
+        </p:txBody>
+      </p:sp>
+      <p:grpSp>
+        <p:nvGrpSpPr>
+          <p:cNvPr id="10" name="Gruppo 9">
+            <a:extLst>
+              <a:ext uri="{FF2B5EF4-FFF2-40B4-BE49-F238E27FC236}">
+                <a16:creationId xmlns:a16="http://schemas.microsoft.com/office/drawing/2014/main" id="{3E6CF837-9B2E-D64B-82FA-BBE243CD5C1F}"/>
+              </a:ext>
+            </a:extLst>
+          </p:cNvPr>
+          <p:cNvGrpSpPr/>
+          <p:nvPr/>
+        </p:nvGrpSpPr>
+        <p:grpSpPr>
+          <a:xfrm>
+            <a:off x="426970" y="2089776"/>
+            <a:ext cx="4376949" cy="2722249"/>
+            <a:chOff x="515458" y="2089776"/>
+            <a:chExt cx="4376949" cy="2722249"/>
+          </a:xfrm>
+        </p:grpSpPr>
+        <p:pic>
+          <p:nvPicPr>
+            <p:cNvPr id="7" name="Immagine 6">
+              <a:extLst>
+                <a:ext uri="{FF2B5EF4-FFF2-40B4-BE49-F238E27FC236}">
+                  <a16:creationId xmlns:a16="http://schemas.microsoft.com/office/drawing/2014/main" id="{505D3294-491E-4241-923F-EFCD9C92BD0B}"/>
+                </a:ext>
+              </a:extLst>
+            </p:cNvPr>
+            <p:cNvPicPr>
+              <a:picLocks noChangeAspect="1"/>
+            </p:cNvPicPr>
+            <p:nvPr/>
+          </p:nvPicPr>
+          <p:blipFill>
+            <a:blip r:embed="rId2"/>
+            <a:stretch>
+              <a:fillRect/>
+            </a:stretch>
+          </p:blipFill>
+          <p:spPr>
+            <a:xfrm>
+              <a:off x="515458" y="2089776"/>
+              <a:ext cx="4376949" cy="2722249"/>
+            </a:xfrm>
+            <a:prstGeom prst="rect">
+              <a:avLst/>
+            </a:prstGeom>
+          </p:spPr>
+        </p:pic>
+        <p:sp>
+          <p:nvSpPr>
+            <p:cNvPr id="2" name="Rettangolo 1">
+              <a:extLst>
+                <a:ext uri="{FF2B5EF4-FFF2-40B4-BE49-F238E27FC236}">
+                  <a16:creationId xmlns:a16="http://schemas.microsoft.com/office/drawing/2014/main" id="{195C38B8-B7C1-8546-A4B8-27785C7351D2}"/>
+                </a:ext>
+              </a:extLst>
+            </p:cNvPr>
+            <p:cNvSpPr/>
+            <p:nvPr/>
+          </p:nvSpPr>
+          <p:spPr>
+            <a:xfrm>
+              <a:off x="1779373" y="4357637"/>
+              <a:ext cx="197708" cy="288504"/>
+            </a:xfrm>
+            <a:prstGeom prst="rect">
+              <a:avLst/>
+            </a:prstGeom>
+            <a:noFill/>
+            <a:ln w="19050">
+              <a:solidFill>
+                <a:schemeClr val="accent4"/>
+              </a:solidFill>
+              <a:prstDash val="sysDash"/>
+            </a:ln>
+          </p:spPr>
+          <p:style>
+            <a:lnRef idx="2">
+              <a:schemeClr val="accent1">
+                <a:shade val="50000"/>
+              </a:schemeClr>
+            </a:lnRef>
+            <a:fillRef idx="1">
+              <a:schemeClr val="accent1"/>
+            </a:fillRef>
+            <a:effectRef idx="0">
+              <a:schemeClr val="accent1"/>
+            </a:effectRef>
+            <a:fontRef idx="minor">
+              <a:schemeClr val="lt1"/>
+            </a:fontRef>
+          </p:style>
+          <p:txBody>
+            <a:bodyPr rtlCol="0" anchor="ctr"/>
+            <a:lstStyle/>
+            <a:p>
+              <a:pPr algn="ctr"/>
+              <a:endParaRPr lang="it-IT"/>
+            </a:p>
+          </p:txBody>
+        </p:sp>
+        <p:cxnSp>
+          <p:nvCxnSpPr>
+            <p:cNvPr id="8" name="Connettore 1 7">
+              <a:extLst>
+                <a:ext uri="{FF2B5EF4-FFF2-40B4-BE49-F238E27FC236}">
+                  <a16:creationId xmlns:a16="http://schemas.microsoft.com/office/drawing/2014/main" id="{6BDDABE5-CAC4-3C46-86E2-61D45FB94962}"/>
+                </a:ext>
+              </a:extLst>
+            </p:cNvPr>
+            <p:cNvCxnSpPr>
+              <a:cxnSpLocks/>
+            </p:cNvCxnSpPr>
+            <p:nvPr/>
+          </p:nvCxnSpPr>
+          <p:spPr>
+            <a:xfrm flipV="1">
+              <a:off x="1890584" y="2310712"/>
+              <a:ext cx="0" cy="1985140"/>
+            </a:xfrm>
+            <a:prstGeom prst="line">
+              <a:avLst/>
+            </a:prstGeom>
+            <a:ln w="19050">
+              <a:solidFill>
+                <a:schemeClr val="accent4"/>
+              </a:solidFill>
+              <a:prstDash val="dash"/>
+            </a:ln>
+          </p:spPr>
+          <p:style>
+            <a:lnRef idx="1">
+              <a:schemeClr val="accent1"/>
+            </a:lnRef>
+            <a:fillRef idx="0">
+              <a:schemeClr val="accent1"/>
+            </a:fillRef>
+            <a:effectRef idx="0">
+              <a:schemeClr val="accent1"/>
+            </a:effectRef>
+            <a:fontRef idx="minor">
+              <a:schemeClr val="tx1"/>
+            </a:fontRef>
+          </p:style>
+        </p:cxnSp>
+      </p:grpSp>
+      <p:sp>
+        <p:nvSpPr>
+          <p:cNvPr id="13" name="Freccia angolare in su 12">
+            <a:extLst>
+              <a:ext uri="{FF2B5EF4-FFF2-40B4-BE49-F238E27FC236}">
+                <a16:creationId xmlns:a16="http://schemas.microsoft.com/office/drawing/2014/main" id="{DAD8A787-5BA8-EB41-8B6D-58D7DE2FFE41}"/>
+              </a:ext>
+            </a:extLst>
+          </p:cNvPr>
+          <p:cNvSpPr/>
+          <p:nvPr/>
+        </p:nvSpPr>
+        <p:spPr>
+          <a:xfrm rot="5400000">
+            <a:off x="1718347" y="4845094"/>
+            <a:ext cx="413605" cy="246110"/>
+          </a:xfrm>
+          <a:prstGeom prst="bentUpArrow">
+            <a:avLst>
+              <a:gd name="adj1" fmla="val 3816"/>
+              <a:gd name="adj2" fmla="val 10171"/>
+              <a:gd name="adj3" fmla="val 25000"/>
+            </a:avLst>
+          </a:prstGeom>
+          <a:solidFill>
+            <a:schemeClr val="accent4"/>
+          </a:solidFill>
+          <a:ln>
+            <a:solidFill>
+              <a:schemeClr val="accent4"/>
+            </a:solidFill>
+          </a:ln>
+        </p:spPr>
+        <p:style>
+          <a:lnRef idx="2">
+            <a:schemeClr val="accent1">
+              <a:shade val="50000"/>
+            </a:schemeClr>
+          </a:lnRef>
+          <a:fillRef idx="1">
+            <a:schemeClr val="accent1"/>
+          </a:fillRef>
+          <a:effectRef idx="0">
+            <a:schemeClr val="accent1"/>
+          </a:effectRef>
+          <a:fontRef idx="minor">
+            <a:schemeClr val="lt1"/>
+          </a:fontRef>
+        </p:style>
+        <p:txBody>
+          <a:bodyPr rtlCol="0" anchor="ctr"/>
+          <a:lstStyle/>
+          <a:p>
+            <a:pPr algn="ctr"/>
+            <a:endParaRPr lang="it-IT"/>
           </a:p>
         </p:txBody>
       </p:sp>
@@ -20948,8 +20662,8 @@
         </p:nvSpPr>
         <p:spPr>
           <a:xfrm>
-            <a:off x="8015525" y="5478675"/>
-            <a:ext cx="2067589" cy="984885"/>
+            <a:off x="6372300" y="5478675"/>
+            <a:ext cx="3787418" cy="984885"/>
           </a:xfrm>
           <a:prstGeom prst="rect">
             <a:avLst/>
@@ -20973,7 +20687,7 @@
                 </a:solidFill>
                 <a:latin typeface="Century Gothic" panose="020B0502020202020204" pitchFamily="34" charset="0"/>
               </a:rPr>
-              <a:t>Il modello migliore risulta essere il </a:t>
+              <a:t>Il modello migliore prendendo in considerazione la metrica Accuracy risulta essere il </a:t>
             </a:r>
             <a:r>
               <a:rPr lang="it-IT" sz="1400" b="1" dirty="0">
@@ -21877,7 +21591,7 @@
         </p:nvSpPr>
         <p:spPr>
           <a:xfrm>
-            <a:off x="929718" y="2134202"/>
+            <a:off x="987989" y="2134498"/>
             <a:ext cx="1603295" cy="461665"/>
           </a:xfrm>
           <a:prstGeom prst="rect">
@@ -22780,8 +22494,8 @@
         </p:nvGrpSpPr>
         <p:grpSpPr>
           <a:xfrm>
-            <a:off x="5632260" y="2745257"/>
-            <a:ext cx="840614" cy="699413"/>
+            <a:off x="5645364" y="2760005"/>
+            <a:ext cx="783288" cy="699413"/>
             <a:chOff x="1687350" y="3618725"/>
             <a:chExt cx="270175" cy="295375"/>
           </a:xfrm>
@@ -23430,7 +23144,7 @@
           </p:nvSpPr>
           <p:spPr>
             <a:xfrm>
-              <a:off x="8940318" y="3013500"/>
+              <a:off x="9019887" y="3013500"/>
               <a:ext cx="1989956" cy="626916"/>
             </a:xfrm>
             <a:prstGeom prst="rect">
@@ -23472,8 +23186,8 @@
           </p:nvSpPr>
           <p:spPr>
             <a:xfrm>
-              <a:off x="9584977" y="3827365"/>
-              <a:ext cx="845891" cy="916999"/>
+              <a:off x="9629550" y="3873209"/>
+              <a:ext cx="770632" cy="898542"/>
             </a:xfrm>
             <a:custGeom>
               <a:avLst/>
@@ -23912,38 +23626,8 @@
         </p:blipFill>
         <p:spPr>
           <a:xfrm>
-            <a:off x="6464667" y="2630305"/>
+            <a:off x="6629557" y="2630305"/>
             <a:ext cx="5440975" cy="3384021"/>
-          </a:xfrm>
-          <a:prstGeom prst="rect">
-            <a:avLst/>
-          </a:prstGeom>
-        </p:spPr>
-      </p:pic>
-      <p:pic>
-        <p:nvPicPr>
-          <p:cNvPr id="3" name="Immagine 2" descr="Immagine che contiene gatto domestico, cielo notturno&#10;&#10;Descrizione generata automaticamente">
-            <a:extLst>
-              <a:ext uri="{FF2B5EF4-FFF2-40B4-BE49-F238E27FC236}">
-                <a16:creationId xmlns:a16="http://schemas.microsoft.com/office/drawing/2014/main" id="{FC745DE9-CCB8-0E43-8BCF-1906B290D245}"/>
-              </a:ext>
-            </a:extLst>
-          </p:cNvPr>
-          <p:cNvPicPr>
-            <a:picLocks noChangeAspect="1"/>
-          </p:cNvPicPr>
-          <p:nvPr/>
-        </p:nvPicPr>
-        <p:blipFill>
-          <a:blip r:embed="rId4"/>
-          <a:stretch>
-            <a:fillRect/>
-          </a:stretch>
-        </p:blipFill>
-        <p:spPr>
-          <a:xfrm rot="16824670">
-            <a:off x="277679" y="2069130"/>
-            <a:ext cx="1709878" cy="1709878"/>
           </a:xfrm>
           <a:prstGeom prst="rect">
             <a:avLst/>
@@ -23964,8 +23648,8 @@
         </p:nvSpPr>
         <p:spPr>
           <a:xfrm>
-            <a:off x="6919537" y="1292304"/>
-            <a:ext cx="2415824" cy="861774"/>
+            <a:off x="6924424" y="1104868"/>
+            <a:ext cx="3847505" cy="861774"/>
           </a:xfrm>
           <a:prstGeom prst="rect">
             <a:avLst/>
@@ -23986,7 +23670,7 @@
           <a:p>
             <a:pPr algn="just"/>
             <a:r>
-              <a:rPr lang="it-IT" b="1" dirty="0">
+              <a:rPr lang="it-IT" sz="2000" b="1" dirty="0">
                 <a:solidFill>
                   <a:schemeClr val="tx1">
                     <a:lumMod val="65000"/>
@@ -23998,7 +23682,7 @@
               <a:t>Gold</a:t>
             </a:r>
             <a:r>
-              <a:rPr lang="it-IT" dirty="0">
+              <a:rPr lang="it-IT" sz="2000" dirty="0">
                 <a:solidFill>
                   <a:schemeClr val="tx1">
                     <a:lumMod val="65000"/>
@@ -24010,6 +23694,18 @@
               <a:t>: </a:t>
             </a:r>
             <a:r>
+              <a:rPr lang="it-IT" sz="1400" dirty="0">
+                <a:solidFill>
+                  <a:schemeClr val="tx1">
+                    <a:lumMod val="65000"/>
+                    <a:lumOff val="35000"/>
+                  </a:schemeClr>
+                </a:solidFill>
+                <a:latin typeface="Century Gothic" panose="020B0502020202020204" pitchFamily="34" charset="0"/>
+              </a:rPr>
+              <a:t>clienti con valori di Monetary e RF* rispettivamente "Top" e "Medium" oppure "Leaving Top" e  "High</a:t>
+            </a:r>
+            <a:r>
               <a:rPr lang="it-IT" sz="1600" dirty="0">
                 <a:solidFill>
                   <a:schemeClr val="tx1">
@@ -24019,7 +23715,7 @@
                 </a:solidFill>
                 <a:latin typeface="Century Gothic" panose="020B0502020202020204" pitchFamily="34" charset="0"/>
               </a:rPr>
-              <a:t>"Top", "Medium" oppure "Leaving Top", "High"</a:t>
+              <a:t>"</a:t>
             </a:r>
             <a:endParaRPr lang="it-IT" dirty="0">
               <a:solidFill>
@@ -24047,8 +23743,8 @@
         </p:nvSpPr>
         <p:spPr>
           <a:xfrm>
-            <a:off x="1048728" y="799861"/>
-            <a:ext cx="2489545" cy="1354217"/>
+            <a:off x="514961" y="1104868"/>
+            <a:ext cx="3454906" cy="830997"/>
           </a:xfrm>
           <a:prstGeom prst="rect">
             <a:avLst/>
@@ -24069,7 +23765,7 @@
           <a:p>
             <a:pPr algn="just"/>
             <a:r>
-              <a:rPr lang="it-IT" b="1" dirty="0">
+              <a:rPr lang="it-IT" sz="2000" b="1" dirty="0">
                 <a:solidFill>
                   <a:schemeClr val="tx1">
                     <a:lumMod val="65000"/>
@@ -24078,10 +23774,10 @@
                 </a:solidFill>
                 <a:latin typeface="Century Gothic" panose="020B0502020202020204" pitchFamily="34" charset="0"/>
               </a:rPr>
-              <a:t>Top</a:t>
+              <a:t>Top: </a:t>
             </a:r>
             <a:r>
-              <a:rPr lang="it-IT" dirty="0">
+              <a:rPr lang="it-IT" sz="1400" dirty="0">
                 <a:solidFill>
                   <a:schemeClr val="tx1">
                     <a:lumMod val="65000"/>
@@ -24090,19 +23786,7 @@
                 </a:solidFill>
                 <a:latin typeface="Century Gothic" panose="020B0502020202020204" pitchFamily="34" charset="0"/>
               </a:rPr>
-              <a:t>: </a:t>
-            </a:r>
-            <a:r>
-              <a:rPr lang="it-IT" sz="1600" dirty="0">
-                <a:solidFill>
-                  <a:schemeClr val="tx1">
-                    <a:lumMod val="65000"/>
-                    <a:lumOff val="35000"/>
-                  </a:schemeClr>
-                </a:solidFill>
-                <a:latin typeface="Century Gothic" panose="020B0502020202020204" pitchFamily="34" charset="0"/>
-              </a:rPr>
-              <a:t>clienti che hanno acquistato recentemente/abbastanza recentemente e con alta frequenza</a:t>
+              <a:t>clienti che hanno acquistato recentemente o relativamente recentemente e con alta frequenza</a:t>
             </a:r>
             <a:endParaRPr lang="it-IT" dirty="0">
               <a:solidFill>
@@ -24431,40 +24115,181 @@
           </p:txBody>
         </p:sp>
       </p:grpSp>
-      <p:pic>
-        <p:nvPicPr>
-          <p:cNvPr id="19" name="Immagine 18" descr="Immagine che contiene gatto domestico, cielo notturno&#10;&#10;Descrizione generata automaticamente">
+      <p:sp>
+        <p:nvSpPr>
+          <p:cNvPr id="15" name="Freccia angolare in su 14">
             <a:extLst>
               <a:ext uri="{FF2B5EF4-FFF2-40B4-BE49-F238E27FC236}">
-                <a16:creationId xmlns:a16="http://schemas.microsoft.com/office/drawing/2014/main" id="{45986D89-68E8-F743-BC43-C9B1760564CD}"/>
+                <a16:creationId xmlns:a16="http://schemas.microsoft.com/office/drawing/2014/main" id="{DF91A7CA-8A86-614F-AB92-32E45B4ACF8F}"/>
               </a:ext>
             </a:extLst>
           </p:cNvPr>
-          <p:cNvPicPr>
-            <a:picLocks noChangeAspect="1"/>
-          </p:cNvPicPr>
+          <p:cNvSpPr/>
           <p:nvPr/>
-        </p:nvPicPr>
-        <p:blipFill>
-          <a:blip r:embed="rId4"/>
-          <a:stretch>
-            <a:fillRect/>
-          </a:stretch>
-        </p:blipFill>
+        </p:nvSpPr>
         <p:spPr>
-          <a:xfrm rot="16824670">
-            <a:off x="6497513" y="2295656"/>
-            <a:ext cx="1709878" cy="1709878"/>
+          <a:xfrm flipH="1">
+            <a:off x="476516" y="2076122"/>
+            <a:ext cx="829926" cy="1782630"/>
+          </a:xfrm>
+          <a:prstGeom prst="bentUpArrow">
+            <a:avLst>
+              <a:gd name="adj1" fmla="val 3816"/>
+              <a:gd name="adj2" fmla="val 10171"/>
+              <a:gd name="adj3" fmla="val 25000"/>
+            </a:avLst>
+          </a:prstGeom>
+          <a:solidFill>
+            <a:schemeClr val="accent5"/>
+          </a:solidFill>
+          <a:ln>
+            <a:solidFill>
+              <a:schemeClr val="accent5"/>
+            </a:solidFill>
+          </a:ln>
+        </p:spPr>
+        <p:style>
+          <a:lnRef idx="2">
+            <a:schemeClr val="accent1">
+              <a:shade val="50000"/>
+            </a:schemeClr>
+          </a:lnRef>
+          <a:fillRef idx="1">
+            <a:schemeClr val="accent1"/>
+          </a:fillRef>
+          <a:effectRef idx="0">
+            <a:schemeClr val="accent1"/>
+          </a:effectRef>
+          <a:fontRef idx="minor">
+            <a:schemeClr val="lt1"/>
+          </a:fontRef>
+        </p:style>
+        <p:txBody>
+          <a:bodyPr rtlCol="0" anchor="ctr"/>
+          <a:lstStyle/>
+          <a:p>
+            <a:pPr algn="ctr"/>
+            <a:endParaRPr lang="it-IT"/>
+          </a:p>
+        </p:txBody>
+      </p:sp>
+      <p:sp>
+        <p:nvSpPr>
+          <p:cNvPr id="16" name="Freccia angolare in su 15">
+            <a:extLst>
+              <a:ext uri="{FF2B5EF4-FFF2-40B4-BE49-F238E27FC236}">
+                <a16:creationId xmlns:a16="http://schemas.microsoft.com/office/drawing/2014/main" id="{F1659F41-22AE-844E-B5AC-443C1EF89E65}"/>
+              </a:ext>
+            </a:extLst>
+          </p:cNvPr>
+          <p:cNvSpPr/>
+          <p:nvPr/>
+        </p:nvSpPr>
+        <p:spPr>
+          <a:xfrm flipH="1">
+            <a:off x="6924426" y="2076122"/>
+            <a:ext cx="829926" cy="1782630"/>
+          </a:xfrm>
+          <a:prstGeom prst="bentUpArrow">
+            <a:avLst>
+              <a:gd name="adj1" fmla="val 3816"/>
+              <a:gd name="adj2" fmla="val 10171"/>
+              <a:gd name="adj3" fmla="val 25000"/>
+            </a:avLst>
+          </a:prstGeom>
+          <a:solidFill>
+            <a:schemeClr val="accent5"/>
+          </a:solidFill>
+          <a:ln>
+            <a:solidFill>
+              <a:schemeClr val="accent5"/>
+            </a:solidFill>
+          </a:ln>
+        </p:spPr>
+        <p:style>
+          <a:lnRef idx="2">
+            <a:schemeClr val="accent1">
+              <a:shade val="50000"/>
+            </a:schemeClr>
+          </a:lnRef>
+          <a:fillRef idx="1">
+            <a:schemeClr val="accent1"/>
+          </a:fillRef>
+          <a:effectRef idx="0">
+            <a:schemeClr val="accent1"/>
+          </a:effectRef>
+          <a:fontRef idx="minor">
+            <a:schemeClr val="lt1"/>
+          </a:fontRef>
+        </p:style>
+        <p:txBody>
+          <a:bodyPr rtlCol="0" anchor="ctr"/>
+          <a:lstStyle/>
+          <a:p>
+            <a:pPr algn="ctr"/>
+            <a:endParaRPr lang="it-IT"/>
+          </a:p>
+        </p:txBody>
+      </p:sp>
+      <p:sp>
+        <p:nvSpPr>
+          <p:cNvPr id="2" name="CasellaDiTesto 1">
+            <a:extLst>
+              <a:ext uri="{FF2B5EF4-FFF2-40B4-BE49-F238E27FC236}">
+                <a16:creationId xmlns:a16="http://schemas.microsoft.com/office/drawing/2014/main" id="{863CC58A-A7F2-2141-8D4F-6AB5E05A4DD7}"/>
+              </a:ext>
+            </a:extLst>
+          </p:cNvPr>
+          <p:cNvSpPr txBox="1"/>
+          <p:nvPr/>
+        </p:nvSpPr>
+        <p:spPr>
+          <a:xfrm>
+            <a:off x="10080377" y="6208933"/>
+            <a:ext cx="2409938" cy="307777"/>
           </a:xfrm>
           <a:prstGeom prst="rect">
             <a:avLst/>
           </a:prstGeom>
+          <a:noFill/>
         </p:spPr>
-      </p:pic>
+        <p:txBody>
+          <a:bodyPr wrap="square" rtlCol="0">
+            <a:spAutoFit/>
+          </a:bodyPr>
+          <a:lstStyle/>
+          <a:p>
+            <a:r>
+              <a:rPr lang="it-IT" sz="1400" dirty="0">
+                <a:solidFill>
+                  <a:schemeClr val="tx1">
+                    <a:lumMod val="65000"/>
+                    <a:lumOff val="35000"/>
+                  </a:schemeClr>
+                </a:solidFill>
+                <a:latin typeface="Century Gothic" panose="020B0502020202020204" pitchFamily="34" charset="0"/>
+              </a:rPr>
+              <a:t>*</a:t>
+            </a:r>
+            <a:r>
+              <a:rPr lang="it-IT" sz="700" dirty="0">
+                <a:solidFill>
+                  <a:schemeClr val="tx1">
+                    <a:lumMod val="65000"/>
+                    <a:lumOff val="35000"/>
+                  </a:schemeClr>
+                </a:solidFill>
+                <a:latin typeface="Century Gothic" panose="020B0502020202020204" pitchFamily="34" charset="0"/>
+              </a:rPr>
+              <a:t> RF: combinazione tra Recency e Frequency</a:t>
+            </a:r>
+          </a:p>
+        </p:txBody>
+      </p:sp>
     </p:spTree>
     <p:extLst>
       <p:ext uri="{BB962C8B-B14F-4D97-AF65-F5344CB8AC3E}">
-        <p14:creationId xmlns:p14="http://schemas.microsoft.com/office/powerpoint/2010/main" val="1188428850"/>
+        <p14:creationId xmlns:p14="http://schemas.microsoft.com/office/powerpoint/2010/main" val="1350671656"/>
       </p:ext>
     </p:extLst>
   </p:cSld>

--- a/Presentazione_digital_marketing.pptx
+++ b/Presentazione_digital_marketing.pptx
@@ -1188,7 +1188,11 @@
     </dgm:pt>
     <dgm:pt modelId="{59EE8103-47A9-FA42-82C7-7162A2D7E012}">
       <dgm:prSet/>
-      <dgm:spPr/>
+      <dgm:spPr>
+        <a:solidFill>
+          <a:schemeClr val="accent3"/>
+        </a:solidFill>
+      </dgm:spPr>
       <dgm:t>
         <a:bodyPr/>
         <a:lstStyle/>
@@ -1473,12 +1477,7 @@
           <a:avLst/>
         </a:prstGeom>
         <a:solidFill>
-          <a:schemeClr val="accent3">
-            <a:hueOff val="0"/>
-            <a:satOff val="0"/>
-            <a:lumOff val="0"/>
-            <a:alphaOff val="0"/>
-          </a:schemeClr>
+          <a:schemeClr val="accent3"/>
         </a:solidFill>
         <a:ln w="12700" cap="flat" cmpd="sng" algn="ctr">
           <a:solidFill>
@@ -3182,7 +3181,7 @@
           <a:p>
             <a:fld id="{3D6FC354-5D41-5F46-84EE-566149A64AB3}" type="datetimeFigureOut">
               <a:rPr lang="it-IT" smtClean="0"/>
-              <a:t>16/08/21</a:t>
+              <a:t>17/08/21</a:t>
             </a:fld>
             <a:endParaRPr lang="it-IT"/>
           </a:p>
@@ -3757,7 +3756,7 @@
           <a:p>
             <a:fld id="{3F7E5583-3B1A-EB47-95D3-30714A2ABF4C}" type="datetimeFigureOut">
               <a:rPr lang="it-IT" smtClean="0"/>
-              <a:t>16/08/21</a:t>
+              <a:t>17/08/21</a:t>
             </a:fld>
             <a:endParaRPr lang="it-IT"/>
           </a:p>
@@ -3955,7 +3954,7 @@
           <a:p>
             <a:fld id="{3F7E5583-3B1A-EB47-95D3-30714A2ABF4C}" type="datetimeFigureOut">
               <a:rPr lang="it-IT" smtClean="0"/>
-              <a:t>16/08/21</a:t>
+              <a:t>17/08/21</a:t>
             </a:fld>
             <a:endParaRPr lang="it-IT"/>
           </a:p>
@@ -4163,7 +4162,7 @@
           <a:p>
             <a:fld id="{3F7E5583-3B1A-EB47-95D3-30714A2ABF4C}" type="datetimeFigureOut">
               <a:rPr lang="it-IT" smtClean="0"/>
-              <a:t>16/08/21</a:t>
+              <a:t>17/08/21</a:t>
             </a:fld>
             <a:endParaRPr lang="it-IT"/>
           </a:p>
@@ -4361,7 +4360,7 @@
           <a:p>
             <a:fld id="{3F7E5583-3B1A-EB47-95D3-30714A2ABF4C}" type="datetimeFigureOut">
               <a:rPr lang="it-IT" smtClean="0"/>
-              <a:t>16/08/21</a:t>
+              <a:t>17/08/21</a:t>
             </a:fld>
             <a:endParaRPr lang="it-IT"/>
           </a:p>
@@ -4636,7 +4635,7 @@
           <a:p>
             <a:fld id="{3F7E5583-3B1A-EB47-95D3-30714A2ABF4C}" type="datetimeFigureOut">
               <a:rPr lang="it-IT" smtClean="0"/>
-              <a:t>16/08/21</a:t>
+              <a:t>17/08/21</a:t>
             </a:fld>
             <a:endParaRPr lang="it-IT"/>
           </a:p>
@@ -4901,7 +4900,7 @@
           <a:p>
             <a:fld id="{3F7E5583-3B1A-EB47-95D3-30714A2ABF4C}" type="datetimeFigureOut">
               <a:rPr lang="it-IT" smtClean="0"/>
-              <a:t>16/08/21</a:t>
+              <a:t>17/08/21</a:t>
             </a:fld>
             <a:endParaRPr lang="it-IT"/>
           </a:p>
@@ -5313,7 +5312,7 @@
           <a:p>
             <a:fld id="{3F7E5583-3B1A-EB47-95D3-30714A2ABF4C}" type="datetimeFigureOut">
               <a:rPr lang="it-IT" smtClean="0"/>
-              <a:t>16/08/21</a:t>
+              <a:t>17/08/21</a:t>
             </a:fld>
             <a:endParaRPr lang="it-IT"/>
           </a:p>
@@ -5454,7 +5453,7 @@
           <a:p>
             <a:fld id="{3F7E5583-3B1A-EB47-95D3-30714A2ABF4C}" type="datetimeFigureOut">
               <a:rPr lang="it-IT" smtClean="0"/>
-              <a:t>16/08/21</a:t>
+              <a:t>17/08/21</a:t>
             </a:fld>
             <a:endParaRPr lang="it-IT"/>
           </a:p>
@@ -5567,7 +5566,7 @@
           <a:p>
             <a:fld id="{3F7E5583-3B1A-EB47-95D3-30714A2ABF4C}" type="datetimeFigureOut">
               <a:rPr lang="it-IT" smtClean="0"/>
-              <a:t>16/08/21</a:t>
+              <a:t>17/08/21</a:t>
             </a:fld>
             <a:endParaRPr lang="it-IT"/>
           </a:p>
@@ -5878,7 +5877,7 @@
           <a:p>
             <a:fld id="{3F7E5583-3B1A-EB47-95D3-30714A2ABF4C}" type="datetimeFigureOut">
               <a:rPr lang="it-IT" smtClean="0"/>
-              <a:t>16/08/21</a:t>
+              <a:t>17/08/21</a:t>
             </a:fld>
             <a:endParaRPr lang="it-IT"/>
           </a:p>
@@ -6166,7 +6165,7 @@
           <a:p>
             <a:fld id="{3F7E5583-3B1A-EB47-95D3-30714A2ABF4C}" type="datetimeFigureOut">
               <a:rPr lang="it-IT" smtClean="0"/>
-              <a:t>16/08/21</a:t>
+              <a:t>17/08/21</a:t>
             </a:fld>
             <a:endParaRPr lang="it-IT"/>
           </a:p>
@@ -6407,7 +6406,7 @@
           <a:p>
             <a:fld id="{3F7E5583-3B1A-EB47-95D3-30714A2ABF4C}" type="datetimeFigureOut">
               <a:rPr lang="it-IT" smtClean="0"/>
-              <a:t>16/08/21</a:t>
+              <a:t>17/08/21</a:t>
             </a:fld>
             <a:endParaRPr lang="it-IT"/>
           </a:p>
@@ -7811,7 +7810,7 @@
         </p:nvSpPr>
         <p:spPr>
           <a:xfrm>
-            <a:off x="9005456" y="1805628"/>
+            <a:off x="9107056" y="1500828"/>
             <a:ext cx="2268686" cy="369332"/>
           </a:xfrm>
           <a:prstGeom prst="rect">
@@ -7872,7 +7871,7 @@
         </p:nvSpPr>
         <p:spPr>
           <a:xfrm>
-            <a:off x="9005456" y="2451322"/>
+            <a:off x="9107056" y="2146522"/>
             <a:ext cx="2784144" cy="1384995"/>
           </a:xfrm>
           <a:prstGeom prst="rect">
@@ -8000,7 +7999,7 @@
         </p:nvSpPr>
         <p:spPr>
           <a:xfrm>
-            <a:off x="4961657" y="1482463"/>
+            <a:off x="5063257" y="1177663"/>
             <a:ext cx="2268686" cy="646331"/>
           </a:xfrm>
           <a:prstGeom prst="rect">
@@ -8061,7 +8060,7 @@
         </p:nvSpPr>
         <p:spPr>
           <a:xfrm>
-            <a:off x="4961657" y="2451322"/>
+            <a:off x="5063257" y="2146522"/>
             <a:ext cx="2784144" cy="1384995"/>
           </a:xfrm>
           <a:prstGeom prst="rect">
@@ -8170,7 +8169,7 @@
         </p:nvSpPr>
         <p:spPr>
           <a:xfrm>
-            <a:off x="1049069" y="1482463"/>
+            <a:off x="1150669" y="1177663"/>
             <a:ext cx="2137475" cy="646331"/>
           </a:xfrm>
           <a:prstGeom prst="rect">
@@ -8260,7 +8259,7 @@
         </p:blipFill>
         <p:spPr>
           <a:xfrm>
-            <a:off x="19503" y="2415328"/>
+            <a:off x="121103" y="2110528"/>
             <a:ext cx="4130795" cy="2569153"/>
           </a:xfrm>
           <a:prstGeom prst="rect">
@@ -8282,7 +8281,7 @@
         </p:nvSpPr>
         <p:spPr>
           <a:xfrm>
-            <a:off x="1366154" y="5209297"/>
+            <a:off x="1467754" y="4904497"/>
             <a:ext cx="2784144" cy="984885"/>
           </a:xfrm>
           <a:prstGeom prst="rect">
@@ -8341,7 +8340,7 @@
         </p:nvSpPr>
         <p:spPr>
           <a:xfrm>
-            <a:off x="1703240" y="4010427"/>
+            <a:off x="1804840" y="3705627"/>
             <a:ext cx="197708" cy="288504"/>
           </a:xfrm>
           <a:prstGeom prst="rect">
@@ -8394,7 +8393,7 @@
         </p:nvCxnSpPr>
         <p:spPr>
           <a:xfrm>
-            <a:off x="1703240" y="4360592"/>
+            <a:off x="1804840" y="4055792"/>
             <a:ext cx="0" cy="848705"/>
           </a:xfrm>
           <a:prstGeom prst="straightConnector1">
@@ -8474,7 +8473,7 @@
         </p:blipFill>
         <p:spPr>
           <a:xfrm>
-            <a:off x="133210" y="2227169"/>
+            <a:off x="133210" y="1769969"/>
             <a:ext cx="6104283" cy="3805518"/>
           </a:xfrm>
           <a:prstGeom prst="rect">
@@ -8910,8 +8909,8 @@
         </p:nvSpPr>
         <p:spPr>
           <a:xfrm>
-            <a:off x="3381802" y="1389908"/>
-            <a:ext cx="2012681" cy="923330"/>
+            <a:off x="1512808" y="1299996"/>
+            <a:ext cx="3933983" cy="369332"/>
           </a:xfrm>
           <a:prstGeom prst="rect">
             <a:avLst/>
@@ -8972,7 +8971,7 @@
         </p:nvGrpSpPr>
         <p:grpSpPr>
           <a:xfrm>
-            <a:off x="6181661" y="1941862"/>
+            <a:off x="6181661" y="1484662"/>
             <a:ext cx="969858" cy="725674"/>
             <a:chOff x="4768325" y="2163475"/>
             <a:chExt cx="59700" cy="46725"/>
@@ -9147,8 +9146,8 @@
         </p:nvSpPr>
         <p:spPr>
           <a:xfrm>
-            <a:off x="9777690" y="1658368"/>
-            <a:ext cx="2012681" cy="646331"/>
+            <a:off x="9008195" y="1299996"/>
+            <a:ext cx="2844800" cy="369332"/>
           </a:xfrm>
           <a:prstGeom prst="rect">
             <a:avLst/>
@@ -9219,13 +9218,13 @@
           <p:nvPr>
             <p:extLst>
               <p:ext uri="{D42A27DB-BD31-4B8C-83A1-F6EECF244321}">
-                <p14:modId xmlns:p14="http://schemas.microsoft.com/office/powerpoint/2010/main" val="1751773664"/>
+                <p14:modId xmlns:p14="http://schemas.microsoft.com/office/powerpoint/2010/main" val="214106968"/>
               </p:ext>
             </p:extLst>
           </p:nvPr>
         </p:nvGraphicFramePr>
         <p:xfrm>
-          <a:off x="7664285" y="2585575"/>
+          <a:off x="7664285" y="2128375"/>
           <a:ext cx="4226810" cy="2103120"/>
         </p:xfrm>
         <a:graphic>
@@ -10443,6 +10442,12 @@
           <a:p>
             <a:r>
               <a:rPr lang="it-IT" sz="1400" b="1" dirty="0">
+                <a:solidFill>
+                  <a:schemeClr val="tx1">
+                    <a:lumMod val="65000"/>
+                    <a:lumOff val="35000"/>
+                  </a:schemeClr>
+                </a:solidFill>
                 <a:latin typeface="Century Gothic" panose="020B0502020202020204" pitchFamily="34" charset="0"/>
               </a:rPr>
               <a:t>Real Time Marketing</a:t>
@@ -10489,7 +10494,7 @@
                 </a:solidFill>
                 <a:latin typeface="Century Gothic" panose="020B0502020202020204" pitchFamily="34" charset="0"/>
               </a:rPr>
-              <a:t>Consiste nel reagire in modo tempestivo agli stimoli dell’ambiente esterno in modo tale da ottenere visibilità e conquistare nuovi clienti</a:t>
+              <a:t>Reagire in modo tempestivo agli stimoli dell’ambiente esterno in modo tale da ottenere visibilità e conquistare nuovi clienti</a:t>
             </a:r>
           </a:p>
         </p:txBody>
@@ -11043,6 +11048,12 @@
           <a:p>
             <a:r>
               <a:rPr lang="it-IT" sz="1400" b="1" dirty="0">
+                <a:solidFill>
+                  <a:schemeClr val="tx1">
+                    <a:lumMod val="65000"/>
+                    <a:lumOff val="35000"/>
+                  </a:schemeClr>
+                </a:solidFill>
                 <a:latin typeface="Century Gothic" panose="020B0502020202020204" pitchFamily="34" charset="0"/>
               </a:rPr>
               <a:t>Multi-channel strategy </a:t>
@@ -11080,6 +11091,12 @@
           <a:p>
             <a:r>
               <a:rPr lang="it-IT" sz="1400" b="1" dirty="0">
+                <a:solidFill>
+                  <a:schemeClr val="tx1">
+                    <a:lumMod val="65000"/>
+                    <a:lumOff val="35000"/>
+                  </a:schemeClr>
+                </a:solidFill>
                 <a:latin typeface="Century Gothic" panose="020B0502020202020204" pitchFamily="34" charset="0"/>
               </a:rPr>
               <a:t>Buyer personas</a:t>
@@ -11117,6 +11134,12 @@
           <a:p>
             <a:r>
               <a:rPr lang="it-IT" sz="1400" b="1" dirty="0">
+                <a:solidFill>
+                  <a:schemeClr val="tx1">
+                    <a:lumMod val="65000"/>
+                    <a:lumOff val="35000"/>
+                  </a:schemeClr>
+                </a:solidFill>
                 <a:latin typeface="Century Gothic" panose="020B0502020202020204" pitchFamily="34" charset="0"/>
               </a:rPr>
               <a:t>CRM</a:t>
@@ -12278,7 +12301,7 @@
                 </a:solidFill>
                 <a:latin typeface="Century Gothic" panose="020B0502020202020204" pitchFamily="34" charset="0"/>
               </a:rPr>
-              <a:t>Consiste nell’utilizzare molteplici canali di comunicazione per raggiungere i clienti</a:t>
+              <a:t>Utilizzare molteplici canali di comunicazione per raggiungere i clienti</a:t>
             </a:r>
           </a:p>
         </p:txBody>
@@ -12322,7 +12345,7 @@
                 </a:solidFill>
                 <a:latin typeface="Century Gothic" panose="020B0502020202020204" pitchFamily="34" charset="0"/>
               </a:rPr>
-              <a:t>Consiste nel creare una rappresentazione del profilo del cliente ideale in modo tale comprendere meglio i suoi bisogni</a:t>
+              <a:t>Creare una rappresentazione del profilo del cliente ideale in modo tale comprendere meglio i suoi bisogni</a:t>
             </a:r>
           </a:p>
         </p:txBody>
@@ -12366,7 +12389,7 @@
                 </a:solidFill>
                 <a:latin typeface="Century Gothic" panose="020B0502020202020204" pitchFamily="34" charset="0"/>
               </a:rPr>
-              <a:t>Consiste nella gestione delle relazioni dei clienti al fine di rendere durature le relazioni con essi </a:t>
+              <a:t>Gestione delle relazioni dei clienti al fine di rendere durature le relazioni con essi </a:t>
             </a:r>
           </a:p>
         </p:txBody>
@@ -14100,7 +14123,7 @@
             <p:nvPr>
               <p:extLst>
                 <p:ext uri="{D42A27DB-BD31-4B8C-83A1-F6EECF244321}">
-                  <p14:modId xmlns:p14="http://schemas.microsoft.com/office/powerpoint/2010/main" val="3611330087"/>
+                  <p14:modId xmlns:p14="http://schemas.microsoft.com/office/powerpoint/2010/main" val="2445055529"/>
                 </p:ext>
               </p:extLst>
             </p:nvPr>
@@ -16803,7 +16826,7 @@
         </p:nvSpPr>
         <p:spPr>
           <a:xfrm>
-            <a:off x="2761539" y="527737"/>
+            <a:off x="2761539" y="667437"/>
             <a:ext cx="2337737" cy="369332"/>
           </a:xfrm>
           <a:prstGeom prst="rect">
@@ -16876,7 +16899,7 @@
         </p:nvSpPr>
         <p:spPr>
           <a:xfrm>
-            <a:off x="6763885" y="2295589"/>
+            <a:off x="6763885" y="2435289"/>
             <a:ext cx="652627" cy="369332"/>
           </a:xfrm>
           <a:prstGeom prst="rect">
@@ -16934,7 +16957,7 @@
         </p:blipFill>
         <p:spPr>
           <a:xfrm>
-            <a:off x="315300" y="862242"/>
+            <a:off x="315300" y="1001942"/>
             <a:ext cx="2185394" cy="1503173"/>
           </a:xfrm>
           <a:prstGeom prst="rect">
@@ -16956,7 +16979,7 @@
         </p:nvSpPr>
         <p:spPr>
           <a:xfrm>
-            <a:off x="6694605" y="2771581"/>
+            <a:off x="6694605" y="2911281"/>
             <a:ext cx="3056121" cy="1384995"/>
           </a:xfrm>
           <a:prstGeom prst="rect">
@@ -16999,7 +17022,7 @@
         </p:nvSpPr>
         <p:spPr>
           <a:xfrm>
-            <a:off x="2692264" y="1081721"/>
+            <a:off x="2692264" y="1221421"/>
             <a:ext cx="3056121" cy="1600438"/>
           </a:xfrm>
           <a:prstGeom prst="rect">
@@ -17054,7 +17077,7 @@
         </p:blipFill>
         <p:spPr>
           <a:xfrm>
-            <a:off x="10068927" y="2428469"/>
+            <a:off x="10068927" y="2568169"/>
             <a:ext cx="1670043" cy="1636642"/>
           </a:xfrm>
           <a:prstGeom prst="rect">
@@ -17076,7 +17099,7 @@
         </p:nvSpPr>
         <p:spPr>
           <a:xfrm>
-            <a:off x="1788800" y="4219123"/>
+            <a:off x="1788800" y="4358823"/>
             <a:ext cx="1311743" cy="369332"/>
           </a:xfrm>
           <a:prstGeom prst="rect">
@@ -17125,7 +17148,7 @@
         </p:nvSpPr>
         <p:spPr>
           <a:xfrm>
-            <a:off x="1719520" y="4695115"/>
+            <a:off x="1719520" y="4834815"/>
             <a:ext cx="3056121" cy="954107"/>
           </a:xfrm>
           <a:prstGeom prst="rect">
@@ -17175,7 +17198,7 @@
         </p:blipFill>
         <p:spPr>
           <a:xfrm>
-            <a:off x="4940290" y="4805190"/>
+            <a:off x="4940290" y="4944890"/>
             <a:ext cx="2227758" cy="943966"/>
           </a:xfrm>
           <a:prstGeom prst="rect">
@@ -17766,7 +17789,7 @@
         </p:blipFill>
         <p:spPr>
           <a:xfrm>
-            <a:off x="233845" y="1146765"/>
+            <a:off x="614845" y="1311865"/>
             <a:ext cx="1976232" cy="1721334"/>
           </a:xfrm>
           <a:prstGeom prst="rect">
@@ -17789,7 +17812,7 @@
         </p:nvSpPr>
         <p:spPr>
           <a:xfrm>
-            <a:off x="2210077" y="1146765"/>
+            <a:off x="2591077" y="1311865"/>
             <a:ext cx="2512226" cy="1877437"/>
           </a:xfrm>
           <a:prstGeom prst="rect">
@@ -18005,7 +18028,7 @@
         </p:blipFill>
         <p:spPr>
           <a:xfrm>
-            <a:off x="7809876" y="4401576"/>
+            <a:off x="7314576" y="4388876"/>
             <a:ext cx="3791715" cy="1949247"/>
           </a:xfrm>
           <a:prstGeom prst="rect">
@@ -18043,7 +18066,7 @@
         </p:blipFill>
         <p:spPr>
           <a:xfrm>
-            <a:off x="9057917" y="2880038"/>
+            <a:off x="8715017" y="2905438"/>
             <a:ext cx="3134083" cy="1949247"/>
           </a:xfrm>
           <a:prstGeom prst="rect">
@@ -18081,7 +18104,7 @@
         </p:blipFill>
         <p:spPr>
           <a:xfrm>
-            <a:off x="5163488" y="4149893"/>
+            <a:off x="4731688" y="4022893"/>
             <a:ext cx="2646388" cy="1645924"/>
           </a:xfrm>
           <a:prstGeom prst="rect">
@@ -18103,19 +18126,19 @@
         </p:nvSpPr>
         <p:spPr>
           <a:xfrm rot="5400000">
-            <a:off x="5804105" y="1539491"/>
+            <a:off x="5804105" y="1552191"/>
             <a:ext cx="1907982" cy="1324193"/>
           </a:xfrm>
           <a:prstGeom prst="bentArrow">
             <a:avLst>
-              <a:gd name="adj1" fmla="val 25000"/>
-              <a:gd name="adj2" fmla="val 25000"/>
-              <a:gd name="adj3" fmla="val 25000"/>
-              <a:gd name="adj4" fmla="val 46888"/>
+              <a:gd name="adj1" fmla="val 21163"/>
+              <a:gd name="adj2" fmla="val 25959"/>
+              <a:gd name="adj3" fmla="val 24041"/>
+              <a:gd name="adj4" fmla="val 48806"/>
             </a:avLst>
           </a:prstGeom>
           <a:noFill/>
-          <a:ln w="57150">
+          <a:ln w="38100">
             <a:solidFill>
               <a:schemeClr val="bg2">
                 <a:lumMod val="75000"/>
@@ -18166,7 +18189,7 @@
         </p:nvSpPr>
         <p:spPr>
           <a:xfrm>
-            <a:off x="9057917" y="2228761"/>
+            <a:off x="8715017" y="2190661"/>
             <a:ext cx="2543674" cy="369332"/>
           </a:xfrm>
           <a:prstGeom prst="rect">
@@ -18227,7 +18250,7 @@
         </p:nvSpPr>
         <p:spPr>
           <a:xfrm>
-            <a:off x="414010" y="261787"/>
+            <a:off x="795010" y="426887"/>
             <a:ext cx="2453881" cy="369332"/>
           </a:xfrm>
           <a:prstGeom prst="rect">
@@ -20435,7 +20458,7 @@
         <p:spPr>
           <a:xfrm>
             <a:off x="7923577" y="1020838"/>
-            <a:ext cx="2459426" cy="369332"/>
+            <a:ext cx="2608220" cy="369332"/>
           </a:xfrm>
           <a:prstGeom prst="rect">
             <a:avLst/>
@@ -20476,7 +20499,7 @@
                 </a:solidFill>
                 <a:latin typeface="Century Gothic" panose="020B0502020202020204" pitchFamily="34" charset="0"/>
               </a:rPr>
-              <a:t> accuracy</a:t>
+              <a:t> Accuracy</a:t>
             </a:r>
             <a:endParaRPr lang="it-IT" dirty="0">
               <a:solidFill>
@@ -21517,7 +21540,7 @@
       </p:sp>
       <p:sp>
         <p:nvSpPr>
-          <p:cNvPr id="12" name="Ovale 11">
+          <p:cNvPr id="12" name="Rettangolo con due angoli in diagonale ritagliati 11">
             <a:extLst>
               <a:ext uri="{FF2B5EF4-FFF2-40B4-BE49-F238E27FC236}">
                 <a16:creationId xmlns:a16="http://schemas.microsoft.com/office/drawing/2014/main" id="{39EEBA10-8EDC-8F4F-BD3D-1FE46251EF65}"/>
@@ -21529,16 +21552,16 @@
         </p:nvSpPr>
         <p:spPr>
           <a:xfrm>
-            <a:off x="625706" y="1828298"/>
-            <a:ext cx="2211321" cy="1943100"/>
+            <a:off x="862447" y="2026226"/>
+            <a:ext cx="2109663" cy="1600201"/>
           </a:xfrm>
-          <a:prstGeom prst="ellipse">
+          <a:prstGeom prst="snip2DiagRect">
             <a:avLst/>
           </a:prstGeom>
           <a:solidFill>
             <a:schemeClr val="accent4">
-              <a:lumMod val="20000"/>
-              <a:lumOff val="80000"/>
+              <a:lumMod val="40000"/>
+              <a:lumOff val="60000"/>
             </a:schemeClr>
           </a:solidFill>
           <a:ln>
@@ -21591,7 +21614,7 @@
         </p:nvSpPr>
         <p:spPr>
           <a:xfrm>
-            <a:off x="987989" y="2134498"/>
+            <a:off x="1123072" y="2134498"/>
             <a:ext cx="1603295" cy="461665"/>
           </a:xfrm>
           <a:prstGeom prst="rect">
@@ -21633,7 +21656,7 @@
         </p:nvGrpSpPr>
         <p:grpSpPr>
           <a:xfrm>
-            <a:off x="1379360" y="2745257"/>
+            <a:off x="1514443" y="2745257"/>
             <a:ext cx="691488" cy="675284"/>
             <a:chOff x="3859600" y="3591950"/>
             <a:chExt cx="296975" cy="296175"/>
@@ -22378,7 +22401,7 @@
       </p:grpSp>
       <p:sp>
         <p:nvSpPr>
-          <p:cNvPr id="56" name="Ovale 55">
+          <p:cNvPr id="56" name="Rettangolo con due angoli in diagonale ritagliati 55">
             <a:extLst>
               <a:ext uri="{FF2B5EF4-FFF2-40B4-BE49-F238E27FC236}">
                 <a16:creationId xmlns:a16="http://schemas.microsoft.com/office/drawing/2014/main" id="{A84CD818-3FEE-B04E-AB45-DA6E0D3CD7D2}"/>
@@ -22390,16 +22413,16 @@
         </p:nvSpPr>
         <p:spPr>
           <a:xfrm>
-            <a:off x="4938545" y="1885150"/>
-            <a:ext cx="2211321" cy="1943100"/>
+            <a:off x="5081767" y="2083078"/>
+            <a:ext cx="2109663" cy="1600201"/>
           </a:xfrm>
-          <a:prstGeom prst="ellipse">
+          <a:prstGeom prst="snip2DiagRect">
             <a:avLst/>
           </a:prstGeom>
           <a:solidFill>
             <a:schemeClr val="accent4">
-              <a:lumMod val="20000"/>
-              <a:lumOff val="80000"/>
+              <a:lumMod val="40000"/>
+              <a:lumOff val="60000"/>
             </a:schemeClr>
           </a:solidFill>
           <a:ln>
@@ -22452,7 +22475,7 @@
         </p:nvSpPr>
         <p:spPr>
           <a:xfrm>
-            <a:off x="5205406" y="2132330"/>
+            <a:off x="5263133" y="2132330"/>
             <a:ext cx="1779387" cy="461665"/>
           </a:xfrm>
           <a:prstGeom prst="rect">
@@ -22494,7 +22517,7 @@
         </p:nvGrpSpPr>
         <p:grpSpPr>
           <a:xfrm>
-            <a:off x="5645364" y="2760005"/>
+            <a:off x="5744954" y="2643247"/>
             <a:ext cx="783288" cy="699413"/>
             <a:chOff x="1687350" y="3618725"/>
             <a:chExt cx="270175" cy="295375"/>
@@ -23062,11 +23085,17 @@
         </p:nvGrpSpPr>
         <p:grpSpPr>
           <a:xfrm>
-            <a:off x="9167444" y="1828297"/>
-            <a:ext cx="2211321" cy="1943100"/>
+            <a:off x="9258711" y="2026225"/>
+            <a:ext cx="2109663" cy="1600201"/>
             <a:chOff x="8700977" y="2600640"/>
             <a:chExt cx="2627778" cy="2638625"/>
           </a:xfrm>
+          <a:solidFill>
+            <a:schemeClr val="accent4">
+              <a:lumMod val="40000"/>
+              <a:lumOff val="60000"/>
+            </a:schemeClr>
+          </a:solidFill>
         </p:grpSpPr>
         <p:sp>
           <p:nvSpPr>
@@ -23085,15 +23114,10 @@
               <a:off x="8700977" y="2600640"/>
               <a:ext cx="2627778" cy="2638625"/>
             </a:xfrm>
-            <a:prstGeom prst="ellipse">
+            <a:prstGeom prst="snip2DiagRect">
               <a:avLst/>
             </a:prstGeom>
-            <a:solidFill>
-              <a:schemeClr val="accent4">
-                <a:lumMod val="20000"/>
-                <a:lumOff val="80000"/>
-              </a:schemeClr>
-            </a:solidFill>
+            <a:grpFill/>
             <a:ln>
               <a:noFill/>
             </a:ln>
@@ -23144,12 +23168,13 @@
           </p:nvSpPr>
           <p:spPr>
             <a:xfrm>
-              <a:off x="9019887" y="3013500"/>
-              <a:ext cx="1989956" cy="626916"/>
+              <a:off x="8885880" y="2621992"/>
+              <a:ext cx="2257971" cy="908500"/>
             </a:xfrm>
-            <a:prstGeom prst="rect">
+            <a:prstGeom prst="snip2DiagRect">
               <a:avLst/>
             </a:prstGeom>
+            <a:grpFill/>
           </p:spPr>
           <p:txBody>
             <a:bodyPr wrap="square">
@@ -23169,202 +23194,6 @@
                 </a:rPr>
                 <a:t>Monetary</a:t>
               </a:r>
-            </a:p>
-          </p:txBody>
-        </p:sp>
-        <p:sp>
-          <p:nvSpPr>
-            <p:cNvPr id="81" name="Google Shape;6009;p70">
-              <a:extLst>
-                <a:ext uri="{FF2B5EF4-FFF2-40B4-BE49-F238E27FC236}">
-                  <a16:creationId xmlns:a16="http://schemas.microsoft.com/office/drawing/2014/main" id="{CD911D1D-1E5C-E34B-9702-84620269BC1A}"/>
-                </a:ext>
-              </a:extLst>
-            </p:cNvPr>
-            <p:cNvSpPr/>
-            <p:nvPr/>
-          </p:nvSpPr>
-          <p:spPr>
-            <a:xfrm>
-              <a:off x="9629550" y="3873209"/>
-              <a:ext cx="770632" cy="898542"/>
-            </a:xfrm>
-            <a:custGeom>
-              <a:avLst/>
-              <a:gdLst/>
-              <a:ahLst/>
-              <a:cxnLst/>
-              <a:rect l="l" t="t" r="r" b="b"/>
-              <a:pathLst>
-                <a:path w="12697" h="12666" extrusionOk="0">
-                  <a:moveTo>
-                    <a:pt x="6301" y="1356"/>
-                  </a:moveTo>
-                  <a:cubicBezTo>
-                    <a:pt x="6522" y="1356"/>
-                    <a:pt x="6711" y="1576"/>
-                    <a:pt x="6711" y="1797"/>
-                  </a:cubicBezTo>
-                  <a:lnTo>
-                    <a:pt x="6711" y="2269"/>
-                  </a:lnTo>
-                  <a:cubicBezTo>
-                    <a:pt x="7656" y="2458"/>
-                    <a:pt x="8349" y="3309"/>
-                    <a:pt x="8349" y="4285"/>
-                  </a:cubicBezTo>
-                  <a:cubicBezTo>
-                    <a:pt x="8349" y="4538"/>
-                    <a:pt x="8160" y="4727"/>
-                    <a:pt x="7971" y="4727"/>
-                  </a:cubicBezTo>
-                  <a:cubicBezTo>
-                    <a:pt x="7719" y="4727"/>
-                    <a:pt x="7530" y="4538"/>
-                    <a:pt x="7530" y="4285"/>
-                  </a:cubicBezTo>
-                  <a:cubicBezTo>
-                    <a:pt x="7530" y="3624"/>
-                    <a:pt x="6994" y="3057"/>
-                    <a:pt x="6301" y="3057"/>
-                  </a:cubicBezTo>
-                  <a:cubicBezTo>
-                    <a:pt x="5640" y="3057"/>
-                    <a:pt x="5073" y="3624"/>
-                    <a:pt x="5073" y="4285"/>
-                  </a:cubicBezTo>
-                  <a:cubicBezTo>
-                    <a:pt x="5073" y="4947"/>
-                    <a:pt x="5829" y="5483"/>
-                    <a:pt x="6585" y="6018"/>
-                  </a:cubicBezTo>
-                  <a:cubicBezTo>
-                    <a:pt x="7435" y="6648"/>
-                    <a:pt x="8412" y="7310"/>
-                    <a:pt x="8412" y="8413"/>
-                  </a:cubicBezTo>
-                  <a:cubicBezTo>
-                    <a:pt x="8412" y="9421"/>
-                    <a:pt x="7687" y="10271"/>
-                    <a:pt x="6742" y="10429"/>
-                  </a:cubicBezTo>
-                  <a:lnTo>
-                    <a:pt x="6742" y="10901"/>
-                  </a:lnTo>
-                  <a:cubicBezTo>
-                    <a:pt x="6742" y="11154"/>
-                    <a:pt x="6553" y="11311"/>
-                    <a:pt x="6364" y="11311"/>
-                  </a:cubicBezTo>
-                  <a:cubicBezTo>
-                    <a:pt x="6144" y="11311"/>
-                    <a:pt x="5955" y="11091"/>
-                    <a:pt x="5955" y="10901"/>
-                  </a:cubicBezTo>
-                  <a:lnTo>
-                    <a:pt x="5955" y="10429"/>
-                  </a:lnTo>
-                  <a:cubicBezTo>
-                    <a:pt x="5010" y="10240"/>
-                    <a:pt x="4316" y="9421"/>
-                    <a:pt x="4316" y="8413"/>
-                  </a:cubicBezTo>
-                  <a:cubicBezTo>
-                    <a:pt x="4316" y="8192"/>
-                    <a:pt x="4505" y="8035"/>
-                    <a:pt x="4694" y="8035"/>
-                  </a:cubicBezTo>
-                  <a:cubicBezTo>
-                    <a:pt x="4884" y="8035"/>
-                    <a:pt x="5136" y="8224"/>
-                    <a:pt x="5136" y="8413"/>
-                  </a:cubicBezTo>
-                  <a:cubicBezTo>
-                    <a:pt x="5136" y="9106"/>
-                    <a:pt x="5671" y="9641"/>
-                    <a:pt x="6364" y="9641"/>
-                  </a:cubicBezTo>
-                  <a:cubicBezTo>
-                    <a:pt x="7026" y="9641"/>
-                    <a:pt x="7561" y="9106"/>
-                    <a:pt x="7561" y="8413"/>
-                  </a:cubicBezTo>
-                  <a:cubicBezTo>
-                    <a:pt x="7561" y="7751"/>
-                    <a:pt x="6868" y="7247"/>
-                    <a:pt x="6081" y="6680"/>
-                  </a:cubicBezTo>
-                  <a:cubicBezTo>
-                    <a:pt x="5199" y="6050"/>
-                    <a:pt x="4253" y="5388"/>
-                    <a:pt x="4253" y="4285"/>
-                  </a:cubicBezTo>
-                  <a:cubicBezTo>
-                    <a:pt x="4253" y="3309"/>
-                    <a:pt x="4978" y="2427"/>
-                    <a:pt x="5923" y="2269"/>
-                  </a:cubicBezTo>
-                  <a:lnTo>
-                    <a:pt x="5923" y="1797"/>
-                  </a:lnTo>
-                  <a:cubicBezTo>
-                    <a:pt x="5923" y="1576"/>
-                    <a:pt x="6112" y="1356"/>
-                    <a:pt x="6301" y="1356"/>
-                  </a:cubicBezTo>
-                  <a:close/>
-                  <a:moveTo>
-                    <a:pt x="6333" y="1"/>
-                  </a:moveTo>
-                  <a:cubicBezTo>
-                    <a:pt x="2836" y="1"/>
-                    <a:pt x="0" y="2836"/>
-                    <a:pt x="0" y="6333"/>
-                  </a:cubicBezTo>
-                  <a:cubicBezTo>
-                    <a:pt x="0" y="9830"/>
-                    <a:pt x="2836" y="12666"/>
-                    <a:pt x="6333" y="12666"/>
-                  </a:cubicBezTo>
-                  <a:cubicBezTo>
-                    <a:pt x="9861" y="12666"/>
-                    <a:pt x="12697" y="9830"/>
-                    <a:pt x="12697" y="6333"/>
-                  </a:cubicBezTo>
-                  <a:cubicBezTo>
-                    <a:pt x="12697" y="2836"/>
-                    <a:pt x="9861" y="1"/>
-                    <a:pt x="6333" y="1"/>
-                  </a:cubicBezTo>
-                  <a:close/>
-                </a:path>
-              </a:pathLst>
-            </a:custGeom>
-            <a:solidFill>
-              <a:schemeClr val="accent3">
-                <a:lumMod val="75000"/>
-              </a:schemeClr>
-            </a:solidFill>
-            <a:ln>
-              <a:noFill/>
-            </a:ln>
-          </p:spPr>
-          <p:txBody>
-            <a:bodyPr spcFirstLastPara="1" wrap="square" lIns="91425" tIns="91425" rIns="91425" bIns="91425" anchor="ctr" anchorCtr="0">
-              <a:noAutofit/>
-            </a:bodyPr>
-            <a:lstStyle/>
-            <a:p>
-              <a:pPr marL="0" lvl="0" indent="0" algn="l" rtl="0">
-                <a:spcBef>
-                  <a:spcPts val="0"/>
-                </a:spcBef>
-                <a:spcAft>
-                  <a:spcPts val="0"/>
-                </a:spcAft>
-                <a:buNone/>
-              </a:pPr>
-              <a:endParaRPr/>
             </a:p>
           </p:txBody>
         </p:sp>
@@ -23399,7 +23228,7 @@
         </p:blipFill>
         <p:spPr>
           <a:xfrm>
-            <a:off x="4316653" y="4105128"/>
+            <a:off x="4378999" y="4105128"/>
             <a:ext cx="3628776" cy="2256922"/>
           </a:xfrm>
           <a:prstGeom prst="rect">
@@ -23437,7 +23266,7 @@
         </p:blipFill>
         <p:spPr>
           <a:xfrm>
-            <a:off x="8391758" y="4009922"/>
+            <a:off x="8464495" y="4009922"/>
             <a:ext cx="3628776" cy="2256922"/>
           </a:xfrm>
           <a:prstGeom prst="rect">
@@ -23445,6 +23274,202 @@
           </a:prstGeom>
         </p:spPr>
       </p:pic>
+      <p:sp>
+        <p:nvSpPr>
+          <p:cNvPr id="28" name="Google Shape;6009;p70">
+            <a:extLst>
+              <a:ext uri="{FF2B5EF4-FFF2-40B4-BE49-F238E27FC236}">
+                <a16:creationId xmlns:a16="http://schemas.microsoft.com/office/drawing/2014/main" id="{C994DE54-91AB-3F47-B52C-999A7CD74964}"/>
+              </a:ext>
+            </a:extLst>
+          </p:cNvPr>
+          <p:cNvSpPr/>
+          <p:nvPr/>
+        </p:nvSpPr>
+        <p:spPr>
+          <a:xfrm>
+            <a:off x="9989292" y="2622687"/>
+            <a:ext cx="648500" cy="661692"/>
+          </a:xfrm>
+          <a:custGeom>
+            <a:avLst/>
+            <a:gdLst/>
+            <a:ahLst/>
+            <a:cxnLst/>
+            <a:rect l="l" t="t" r="r" b="b"/>
+            <a:pathLst>
+              <a:path w="12697" h="12666" extrusionOk="0">
+                <a:moveTo>
+                  <a:pt x="6301" y="1356"/>
+                </a:moveTo>
+                <a:cubicBezTo>
+                  <a:pt x="6522" y="1356"/>
+                  <a:pt x="6711" y="1576"/>
+                  <a:pt x="6711" y="1797"/>
+                </a:cubicBezTo>
+                <a:lnTo>
+                  <a:pt x="6711" y="2269"/>
+                </a:lnTo>
+                <a:cubicBezTo>
+                  <a:pt x="7656" y="2458"/>
+                  <a:pt x="8349" y="3309"/>
+                  <a:pt x="8349" y="4285"/>
+                </a:cubicBezTo>
+                <a:cubicBezTo>
+                  <a:pt x="8349" y="4538"/>
+                  <a:pt x="8160" y="4727"/>
+                  <a:pt x="7971" y="4727"/>
+                </a:cubicBezTo>
+                <a:cubicBezTo>
+                  <a:pt x="7719" y="4727"/>
+                  <a:pt x="7530" y="4538"/>
+                  <a:pt x="7530" y="4285"/>
+                </a:cubicBezTo>
+                <a:cubicBezTo>
+                  <a:pt x="7530" y="3624"/>
+                  <a:pt x="6994" y="3057"/>
+                  <a:pt x="6301" y="3057"/>
+                </a:cubicBezTo>
+                <a:cubicBezTo>
+                  <a:pt x="5640" y="3057"/>
+                  <a:pt x="5073" y="3624"/>
+                  <a:pt x="5073" y="4285"/>
+                </a:cubicBezTo>
+                <a:cubicBezTo>
+                  <a:pt x="5073" y="4947"/>
+                  <a:pt x="5829" y="5483"/>
+                  <a:pt x="6585" y="6018"/>
+                </a:cubicBezTo>
+                <a:cubicBezTo>
+                  <a:pt x="7435" y="6648"/>
+                  <a:pt x="8412" y="7310"/>
+                  <a:pt x="8412" y="8413"/>
+                </a:cubicBezTo>
+                <a:cubicBezTo>
+                  <a:pt x="8412" y="9421"/>
+                  <a:pt x="7687" y="10271"/>
+                  <a:pt x="6742" y="10429"/>
+                </a:cubicBezTo>
+                <a:lnTo>
+                  <a:pt x="6742" y="10901"/>
+                </a:lnTo>
+                <a:cubicBezTo>
+                  <a:pt x="6742" y="11154"/>
+                  <a:pt x="6553" y="11311"/>
+                  <a:pt x="6364" y="11311"/>
+                </a:cubicBezTo>
+                <a:cubicBezTo>
+                  <a:pt x="6144" y="11311"/>
+                  <a:pt x="5955" y="11091"/>
+                  <a:pt x="5955" y="10901"/>
+                </a:cubicBezTo>
+                <a:lnTo>
+                  <a:pt x="5955" y="10429"/>
+                </a:lnTo>
+                <a:cubicBezTo>
+                  <a:pt x="5010" y="10240"/>
+                  <a:pt x="4316" y="9421"/>
+                  <a:pt x="4316" y="8413"/>
+                </a:cubicBezTo>
+                <a:cubicBezTo>
+                  <a:pt x="4316" y="8192"/>
+                  <a:pt x="4505" y="8035"/>
+                  <a:pt x="4694" y="8035"/>
+                </a:cubicBezTo>
+                <a:cubicBezTo>
+                  <a:pt x="4884" y="8035"/>
+                  <a:pt x="5136" y="8224"/>
+                  <a:pt x="5136" y="8413"/>
+                </a:cubicBezTo>
+                <a:cubicBezTo>
+                  <a:pt x="5136" y="9106"/>
+                  <a:pt x="5671" y="9641"/>
+                  <a:pt x="6364" y="9641"/>
+                </a:cubicBezTo>
+                <a:cubicBezTo>
+                  <a:pt x="7026" y="9641"/>
+                  <a:pt x="7561" y="9106"/>
+                  <a:pt x="7561" y="8413"/>
+                </a:cubicBezTo>
+                <a:cubicBezTo>
+                  <a:pt x="7561" y="7751"/>
+                  <a:pt x="6868" y="7247"/>
+                  <a:pt x="6081" y="6680"/>
+                </a:cubicBezTo>
+                <a:cubicBezTo>
+                  <a:pt x="5199" y="6050"/>
+                  <a:pt x="4253" y="5388"/>
+                  <a:pt x="4253" y="4285"/>
+                </a:cubicBezTo>
+                <a:cubicBezTo>
+                  <a:pt x="4253" y="3309"/>
+                  <a:pt x="4978" y="2427"/>
+                  <a:pt x="5923" y="2269"/>
+                </a:cubicBezTo>
+                <a:lnTo>
+                  <a:pt x="5923" y="1797"/>
+                </a:lnTo>
+                <a:cubicBezTo>
+                  <a:pt x="5923" y="1576"/>
+                  <a:pt x="6112" y="1356"/>
+                  <a:pt x="6301" y="1356"/>
+                </a:cubicBezTo>
+                <a:close/>
+                <a:moveTo>
+                  <a:pt x="6333" y="1"/>
+                </a:moveTo>
+                <a:cubicBezTo>
+                  <a:pt x="2836" y="1"/>
+                  <a:pt x="0" y="2836"/>
+                  <a:pt x="0" y="6333"/>
+                </a:cubicBezTo>
+                <a:cubicBezTo>
+                  <a:pt x="0" y="9830"/>
+                  <a:pt x="2836" y="12666"/>
+                  <a:pt x="6333" y="12666"/>
+                </a:cubicBezTo>
+                <a:cubicBezTo>
+                  <a:pt x="9861" y="12666"/>
+                  <a:pt x="12697" y="9830"/>
+                  <a:pt x="12697" y="6333"/>
+                </a:cubicBezTo>
+                <a:cubicBezTo>
+                  <a:pt x="12697" y="2836"/>
+                  <a:pt x="9861" y="1"/>
+                  <a:pt x="6333" y="1"/>
+                </a:cubicBezTo>
+                <a:close/>
+              </a:path>
+            </a:pathLst>
+          </a:custGeom>
+          <a:solidFill>
+            <a:schemeClr val="accent3">
+              <a:lumMod val="75000"/>
+            </a:schemeClr>
+          </a:solidFill>
+          <a:ln>
+            <a:noFill/>
+          </a:ln>
+        </p:spPr>
+        <p:txBody>
+          <a:bodyPr spcFirstLastPara="1" wrap="square" lIns="91425" tIns="91425" rIns="91425" bIns="91425" anchor="ctr" anchorCtr="0">
+            <a:noAutofit/>
+          </a:bodyPr>
+          <a:lstStyle/>
+          <a:p>
+            <a:pPr marL="0" lvl="0" indent="0" algn="l" rtl="0">
+              <a:spcBef>
+                <a:spcPts val="0"/>
+              </a:spcBef>
+              <a:spcAft>
+                <a:spcPts val="0"/>
+              </a:spcAft>
+              <a:buNone/>
+            </a:pPr>
+            <a:endParaRPr/>
+          </a:p>
+        </p:txBody>
+      </p:sp>
     </p:spTree>
     <p:extLst>
       <p:ext uri="{BB962C8B-B14F-4D97-AF65-F5344CB8AC3E}">
